--- a/Project University/Assets/Art/에셋별폴더위치및설명.pptx
+++ b/Project University/Assets/Art/에셋별폴더위치및설명.pptx
@@ -6,15 +6,18 @@
   </p:sldMasterIdLst>
   <p:sldIdLst>
     <p:sldId id="265" r:id="rId2"/>
-    <p:sldId id="256" r:id="rId3"/>
-    <p:sldId id="261" r:id="rId4"/>
-    <p:sldId id="257" r:id="rId5"/>
-    <p:sldId id="258" r:id="rId6"/>
+    <p:sldId id="261" r:id="rId3"/>
+    <p:sldId id="269" r:id="rId4"/>
+    <p:sldId id="270" r:id="rId5"/>
+    <p:sldId id="268" r:id="rId6"/>
     <p:sldId id="259" r:id="rId7"/>
     <p:sldId id="260" r:id="rId8"/>
     <p:sldId id="263" r:id="rId9"/>
-    <p:sldId id="262" r:id="rId10"/>
-    <p:sldId id="264" r:id="rId11"/>
+    <p:sldId id="271" r:id="rId10"/>
+    <p:sldId id="267" r:id="rId11"/>
+    <p:sldId id="262" r:id="rId12"/>
+    <p:sldId id="264" r:id="rId13"/>
+    <p:sldId id="266" r:id="rId14"/>
   </p:sldIdLst>
   <p:sldSz cx="12192000" cy="6858000"/>
   <p:notesSz cx="6858000" cy="9144000"/>
@@ -268,7 +271,7 @@
           <a:p>
             <a:fld id="{38A5BEA6-D0EA-4ECB-83FC-BD76EFE73ACD}" type="datetimeFigureOut">
               <a:rPr lang="ko-KR" altLang="en-US" smtClean="0"/>
-              <a:t>2023-08-09</a:t>
+              <a:t>2023-08-10</a:t>
             </a:fld>
             <a:endParaRPr lang="ko-KR" altLang="en-US"/>
           </a:p>
@@ -466,7 +469,7 @@
           <a:p>
             <a:fld id="{38A5BEA6-D0EA-4ECB-83FC-BD76EFE73ACD}" type="datetimeFigureOut">
               <a:rPr lang="ko-KR" altLang="en-US" smtClean="0"/>
-              <a:t>2023-08-09</a:t>
+              <a:t>2023-08-10</a:t>
             </a:fld>
             <a:endParaRPr lang="ko-KR" altLang="en-US"/>
           </a:p>
@@ -674,7 +677,7 @@
           <a:p>
             <a:fld id="{38A5BEA6-D0EA-4ECB-83FC-BD76EFE73ACD}" type="datetimeFigureOut">
               <a:rPr lang="ko-KR" altLang="en-US" smtClean="0"/>
-              <a:t>2023-08-09</a:t>
+              <a:t>2023-08-10</a:t>
             </a:fld>
             <a:endParaRPr lang="ko-KR" altLang="en-US"/>
           </a:p>
@@ -872,7 +875,7 @@
           <a:p>
             <a:fld id="{38A5BEA6-D0EA-4ECB-83FC-BD76EFE73ACD}" type="datetimeFigureOut">
               <a:rPr lang="ko-KR" altLang="en-US" smtClean="0"/>
-              <a:t>2023-08-09</a:t>
+              <a:t>2023-08-10</a:t>
             </a:fld>
             <a:endParaRPr lang="ko-KR" altLang="en-US"/>
           </a:p>
@@ -1147,7 +1150,7 @@
           <a:p>
             <a:fld id="{38A5BEA6-D0EA-4ECB-83FC-BD76EFE73ACD}" type="datetimeFigureOut">
               <a:rPr lang="ko-KR" altLang="en-US" smtClean="0"/>
-              <a:t>2023-08-09</a:t>
+              <a:t>2023-08-10</a:t>
             </a:fld>
             <a:endParaRPr lang="ko-KR" altLang="en-US"/>
           </a:p>
@@ -1412,7 +1415,7 @@
           <a:p>
             <a:fld id="{38A5BEA6-D0EA-4ECB-83FC-BD76EFE73ACD}" type="datetimeFigureOut">
               <a:rPr lang="ko-KR" altLang="en-US" smtClean="0"/>
-              <a:t>2023-08-09</a:t>
+              <a:t>2023-08-10</a:t>
             </a:fld>
             <a:endParaRPr lang="ko-KR" altLang="en-US"/>
           </a:p>
@@ -1824,7 +1827,7 @@
           <a:p>
             <a:fld id="{38A5BEA6-D0EA-4ECB-83FC-BD76EFE73ACD}" type="datetimeFigureOut">
               <a:rPr lang="ko-KR" altLang="en-US" smtClean="0"/>
-              <a:t>2023-08-09</a:t>
+              <a:t>2023-08-10</a:t>
             </a:fld>
             <a:endParaRPr lang="ko-KR" altLang="en-US"/>
           </a:p>
@@ -1965,7 +1968,7 @@
           <a:p>
             <a:fld id="{38A5BEA6-D0EA-4ECB-83FC-BD76EFE73ACD}" type="datetimeFigureOut">
               <a:rPr lang="ko-KR" altLang="en-US" smtClean="0"/>
-              <a:t>2023-08-09</a:t>
+              <a:t>2023-08-10</a:t>
             </a:fld>
             <a:endParaRPr lang="ko-KR" altLang="en-US"/>
           </a:p>
@@ -2078,7 +2081,7 @@
           <a:p>
             <a:fld id="{38A5BEA6-D0EA-4ECB-83FC-BD76EFE73ACD}" type="datetimeFigureOut">
               <a:rPr lang="ko-KR" altLang="en-US" smtClean="0"/>
-              <a:t>2023-08-09</a:t>
+              <a:t>2023-08-10</a:t>
             </a:fld>
             <a:endParaRPr lang="ko-KR" altLang="en-US"/>
           </a:p>
@@ -2389,7 +2392,7 @@
           <a:p>
             <a:fld id="{38A5BEA6-D0EA-4ECB-83FC-BD76EFE73ACD}" type="datetimeFigureOut">
               <a:rPr lang="ko-KR" altLang="en-US" smtClean="0"/>
-              <a:t>2023-08-09</a:t>
+              <a:t>2023-08-10</a:t>
             </a:fld>
             <a:endParaRPr lang="ko-KR" altLang="en-US"/>
           </a:p>
@@ -2677,7 +2680,7 @@
           <a:p>
             <a:fld id="{38A5BEA6-D0EA-4ECB-83FC-BD76EFE73ACD}" type="datetimeFigureOut">
               <a:rPr lang="ko-KR" altLang="en-US" smtClean="0"/>
-              <a:t>2023-08-09</a:t>
+              <a:t>2023-08-10</a:t>
             </a:fld>
             <a:endParaRPr lang="ko-KR" altLang="en-US"/>
           </a:p>
@@ -2918,7 +2921,7 @@
           <a:p>
             <a:fld id="{38A5BEA6-D0EA-4ECB-83FC-BD76EFE73ACD}" type="datetimeFigureOut">
               <a:rPr lang="ko-KR" altLang="en-US" smtClean="0"/>
-              <a:t>2023-08-09</a:t>
+              <a:t>2023-08-10</a:t>
             </a:fld>
             <a:endParaRPr lang="ko-KR" altLang="en-US"/>
           </a:p>
@@ -3476,7 +3479,7 @@
         </p:nvSpPr>
         <p:spPr>
           <a:xfrm>
-            <a:off x="4432531" y="1577922"/>
+            <a:off x="4494675" y="2927328"/>
             <a:ext cx="6005880" cy="369332"/>
           </a:xfrm>
           <a:prstGeom prst="rect">
@@ -3491,22 +3494,13 @@
           <a:lstStyle/>
           <a:p>
             <a:r>
+              <a:rPr lang="ko-KR" altLang="en-US"/>
+              <a:t>하단 배속 폰트 </a:t>
+            </a:r>
+            <a:r>
               <a:rPr lang="en-US" altLang="ko-KR"/>
-              <a:t>- </a:t>
-            </a:r>
-            <a:r>
-              <a:rPr lang="ko-KR" altLang="en-US"/>
-              <a:t>인게임 내 변동하는 숫자들 폰트 </a:t>
-            </a:r>
-            <a:r>
-              <a:rPr lang="en-US" altLang="ko-KR"/>
-              <a:t>: </a:t>
-            </a:r>
-            <a:r>
-              <a:rPr lang="ko-KR" altLang="en-US"/>
-              <a:t>메이플스토리</a:t>
-            </a:r>
-            <a:endParaRPr lang="en-US" altLang="ko-KR"/>
+              <a:t>: cafe24 ssurround</a:t>
+            </a:r>
           </a:p>
         </p:txBody>
       </p:sp>
@@ -3524,8 +3518,8 @@
         </p:nvSpPr>
         <p:spPr>
           <a:xfrm>
-            <a:off x="4575035" y="2905980"/>
-            <a:ext cx="6005880" cy="1200329"/>
+            <a:off x="4637178" y="4112965"/>
+            <a:ext cx="6005880" cy="369332"/>
           </a:xfrm>
           <a:prstGeom prst="rect">
             <a:avLst/>
@@ -3540,37 +3534,21 @@
           <a:p>
             <a:r>
               <a:rPr lang="ko-KR" altLang="en-US"/>
-              <a:t>폰트 색상 </a:t>
+              <a:t>배속 폰트 색상 </a:t>
             </a:r>
             <a:r>
               <a:rPr lang="en-US" altLang="ko-KR"/>
-              <a:t>(r,g,b)</a:t>
-            </a:r>
-          </a:p>
-          <a:p>
-            <a:endParaRPr lang="en-US" altLang="ko-KR"/>
-          </a:p>
-          <a:p>
-            <a:r>
-              <a:rPr lang="ko-KR" altLang="en-US"/>
-              <a:t>점수숫자 </a:t>
-            </a:r>
-            <a:r>
-              <a:rPr lang="en-US" altLang="ko-KR"/>
-              <a:t>: (164,222,234)</a:t>
-            </a:r>
-          </a:p>
-          <a:p>
-            <a:endParaRPr lang="en-US" altLang="ko-KR"/>
-          </a:p>
-        </p:txBody>
-      </p:sp>
-      <p:sp>
-        <p:nvSpPr>
-          <p:cNvPr id="10" name="TextBox 9">
-            <a:extLst>
-              <a:ext uri="{FF2B5EF4-FFF2-40B4-BE49-F238E27FC236}">
-                <a16:creationId xmlns:a16="http://schemas.microsoft.com/office/drawing/2014/main" id="{E7CC6ADA-A891-D009-1661-E65C0F6B410B}"/>
+              <a:t>(0,0,0)</a:t>
+            </a:r>
+          </a:p>
+        </p:txBody>
+      </p:sp>
+      <p:sp>
+        <p:nvSpPr>
+          <p:cNvPr id="11" name="TextBox 10">
+            <a:extLst>
+              <a:ext uri="{FF2B5EF4-FFF2-40B4-BE49-F238E27FC236}">
+                <a16:creationId xmlns:a16="http://schemas.microsoft.com/office/drawing/2014/main" id="{4F407626-AAB2-2763-4EFD-5EE1BB30037C}"/>
               </a:ext>
             </a:extLst>
           </p:cNvPr>
@@ -3579,66 +3557,8 @@
         </p:nvSpPr>
         <p:spPr>
           <a:xfrm>
-            <a:off x="4432531" y="573029"/>
-            <a:ext cx="6005880" cy="923330"/>
-          </a:xfrm>
-          <a:prstGeom prst="rect">
-            <a:avLst/>
-          </a:prstGeom>
-          <a:noFill/>
-        </p:spPr>
-        <p:txBody>
-          <a:bodyPr wrap="square" rtlCol="0">
-            <a:spAutoFit/>
-          </a:bodyPr>
-          <a:lstStyle/>
-          <a:p>
-            <a:r>
-              <a:rPr lang="ko-KR" altLang="en-US"/>
-              <a:t>변동없는</a:t>
-            </a:r>
-            <a:r>
-              <a:rPr lang="en-US" altLang="ko-KR"/>
-              <a:t> UI</a:t>
-            </a:r>
-            <a:r>
-              <a:rPr lang="ko-KR" altLang="en-US"/>
-              <a:t>용 폰트 </a:t>
-            </a:r>
-            <a:r>
-              <a:rPr lang="en-US" altLang="ko-KR"/>
-              <a:t>: Super Mario 256, Cafe24</a:t>
-            </a:r>
-            <a:r>
-              <a:rPr lang="ko-KR" altLang="en-US"/>
-              <a:t> </a:t>
-            </a:r>
-            <a:r>
-              <a:rPr lang="en-US" altLang="ko-KR"/>
-              <a:t>ssurround</a:t>
-            </a:r>
-          </a:p>
-          <a:p>
-            <a:endParaRPr lang="en-US" altLang="ko-KR"/>
-          </a:p>
-        </p:txBody>
-      </p:sp>
-      <p:sp>
-        <p:nvSpPr>
-          <p:cNvPr id="11" name="TextBox 10">
-            <a:extLst>
-              <a:ext uri="{FF2B5EF4-FFF2-40B4-BE49-F238E27FC236}">
-                <a16:creationId xmlns:a16="http://schemas.microsoft.com/office/drawing/2014/main" id="{4F407626-AAB2-2763-4EFD-5EE1BB30037C}"/>
-              </a:ext>
-            </a:extLst>
-          </p:cNvPr>
-          <p:cNvSpPr txBox="1"/>
-          <p:nvPr/>
-        </p:nvSpPr>
-        <p:spPr>
-          <a:xfrm>
             <a:off x="8719831" y="6419850"/>
-            <a:ext cx="3538148" cy="369332"/>
+            <a:ext cx="3716082" cy="369332"/>
           </a:xfrm>
           <a:prstGeom prst="rect">
             <a:avLst/>
@@ -3657,21 +3577,56 @@
             </a:r>
             <a:r>
               <a:rPr lang="en-US" altLang="ko-KR"/>
-              <a:t>gameDone.psd</a:t>
+              <a:t>gameSetting.psd</a:t>
             </a:r>
             <a:r>
               <a:rPr lang="ko-KR" altLang="en-US"/>
               <a:t>참고</a:t>
+            </a:r>
+          </a:p>
+        </p:txBody>
+      </p:sp>
+      <p:sp>
+        <p:nvSpPr>
+          <p:cNvPr id="5" name="제목 1">
+            <a:extLst>
+              <a:ext uri="{FF2B5EF4-FFF2-40B4-BE49-F238E27FC236}">
+                <a16:creationId xmlns:a16="http://schemas.microsoft.com/office/drawing/2014/main" id="{FC352BAB-B216-3E06-9BDF-DE0041DBB29A}"/>
+              </a:ext>
+            </a:extLst>
+          </p:cNvPr>
+          <p:cNvSpPr>
+            <a:spLocks noGrp="1"/>
+          </p:cNvSpPr>
+          <p:nvPr>
+            <p:ph type="title"/>
+          </p:nvPr>
+        </p:nvSpPr>
+        <p:spPr>
+          <a:xfrm>
+            <a:off x="3963509" y="-151122"/>
+            <a:ext cx="5917338" cy="1325563"/>
+          </a:xfrm>
+        </p:spPr>
+        <p:txBody>
+          <a:bodyPr>
+            <a:normAutofit/>
+          </a:bodyPr>
+          <a:lstStyle/>
+          <a:p>
+            <a:r>
+              <a:rPr lang="ko-KR" altLang="en-US"/>
+              <a:t>게임세팅창</a:t>
             </a:r>
           </a:p>
         </p:txBody>
       </p:sp>
       <p:pic>
         <p:nvPicPr>
-          <p:cNvPr id="3" name="그림 2" descr="텍스트, 스크린샷, 포스터, 그래픽 디자인이(가) 표시된 사진&#10;&#10;자동 생성된 설명">
-            <a:extLst>
-              <a:ext uri="{FF2B5EF4-FFF2-40B4-BE49-F238E27FC236}">
-                <a16:creationId xmlns:a16="http://schemas.microsoft.com/office/drawing/2014/main" id="{5F2CB6A4-99CE-9D85-96A3-C5BFD1ADFFF3}"/>
+          <p:cNvPr id="4" name="그림 3" descr="텍스트, 스크린샷, 그래픽, 그래픽 디자인이(가) 표시된 사진&#10;&#10;자동 생성된 설명">
+            <a:extLst>
+              <a:ext uri="{FF2B5EF4-FFF2-40B4-BE49-F238E27FC236}">
+                <a16:creationId xmlns:a16="http://schemas.microsoft.com/office/drawing/2014/main" id="{ED7417C1-B4A2-2C91-9846-F405234D1FAA}"/>
               </a:ext>
             </a:extLst>
           </p:cNvPr>
@@ -3694,8 +3649,8 @@
         </p:blipFill>
         <p:spPr>
           <a:xfrm>
-            <a:off x="655938" y="385762"/>
-            <a:ext cx="2960988" cy="6086475"/>
+            <a:off x="299721" y="0"/>
+            <a:ext cx="3336324" cy="6858000"/>
           </a:xfrm>
           <a:prstGeom prst="rect">
             <a:avLst/>
@@ -3705,7 +3660,936 @@
     </p:spTree>
     <p:extLst>
       <p:ext uri="{BB962C8B-B14F-4D97-AF65-F5344CB8AC3E}">
+        <p14:creationId xmlns:p14="http://schemas.microsoft.com/office/powerpoint/2010/main" val="3504167401"/>
+      </p:ext>
+    </p:extLst>
+  </p:cSld>
+  <p:clrMapOvr>
+    <a:masterClrMapping/>
+  </p:clrMapOvr>
+</p:sld>
+</file>
+
+<file path=ppt/slides/slide11.xml><?xml version="1.0" encoding="utf-8"?>
+<p:sld xmlns:a="http://schemas.openxmlformats.org/drawingml/2006/main" xmlns:r="http://schemas.openxmlformats.org/officeDocument/2006/relationships" xmlns:p="http://schemas.openxmlformats.org/presentationml/2006/main">
+  <p:cSld>
+    <p:spTree>
+      <p:nvGrpSpPr>
+        <p:cNvPr id="1" name=""/>
+        <p:cNvGrpSpPr/>
+        <p:nvPr/>
+      </p:nvGrpSpPr>
+      <p:grpSpPr>
+        <a:xfrm>
+          <a:off x="0" y="0"/>
+          <a:ext cx="0" cy="0"/>
+          <a:chOff x="0" y="0"/>
+          <a:chExt cx="0" cy="0"/>
+        </a:xfrm>
+      </p:grpSpPr>
+      <p:sp>
+        <p:nvSpPr>
+          <p:cNvPr id="6" name="TextBox 5">
+            <a:extLst>
+              <a:ext uri="{FF2B5EF4-FFF2-40B4-BE49-F238E27FC236}">
+                <a16:creationId xmlns:a16="http://schemas.microsoft.com/office/drawing/2014/main" id="{F84EDA2D-DECD-D6E5-7664-90CB2C4052B7}"/>
+              </a:ext>
+            </a:extLst>
+          </p:cNvPr>
+          <p:cNvSpPr txBox="1"/>
+          <p:nvPr/>
+        </p:nvSpPr>
+        <p:spPr>
+          <a:xfrm>
+            <a:off x="4476920" y="2179334"/>
+            <a:ext cx="6005880" cy="646331"/>
+          </a:xfrm>
+          <a:prstGeom prst="rect">
+            <a:avLst/>
+          </a:prstGeom>
+          <a:noFill/>
+        </p:spPr>
+        <p:txBody>
+          <a:bodyPr wrap="square" rtlCol="0">
+            <a:spAutoFit/>
+          </a:bodyPr>
+          <a:lstStyle/>
+          <a:p>
+            <a:r>
+              <a:rPr lang="en-US" altLang="ko-KR"/>
+              <a:t>- </a:t>
+            </a:r>
+            <a:r>
+              <a:rPr lang="ko-KR" altLang="en-US"/>
+              <a:t>인게임 내 변동하는 숫자들 폰트 </a:t>
+            </a:r>
+            <a:r>
+              <a:rPr lang="en-US" altLang="ko-KR"/>
+              <a:t>: </a:t>
+            </a:r>
+            <a:r>
+              <a:rPr lang="ko-KR" altLang="en-US"/>
+              <a:t>메이플스토리</a:t>
+            </a:r>
+            <a:endParaRPr lang="en-US" altLang="ko-KR"/>
+          </a:p>
+          <a:p>
+            <a:pPr marL="285750" indent="-285750">
+              <a:buFontTx/>
+              <a:buChar char="-"/>
+            </a:pPr>
+            <a:r>
+              <a:rPr lang="ko-KR" altLang="en-US"/>
+              <a:t>소환되는 애니멀 다이스 사이즈 </a:t>
+            </a:r>
+            <a:r>
+              <a:rPr lang="en-US" altLang="ko-KR"/>
+              <a:t>: 84px</a:t>
+            </a:r>
+            <a:r>
+              <a:rPr lang="ko-KR" altLang="en-US"/>
+              <a:t> </a:t>
+            </a:r>
+            <a:r>
+              <a:rPr lang="en-US" altLang="ko-KR"/>
+              <a:t>X</a:t>
+            </a:r>
+            <a:r>
+              <a:rPr lang="ko-KR" altLang="en-US"/>
+              <a:t> </a:t>
+            </a:r>
+            <a:r>
+              <a:rPr lang="en-US" altLang="ko-KR"/>
+              <a:t>84px</a:t>
+            </a:r>
+          </a:p>
+        </p:txBody>
+      </p:sp>
+      <p:pic>
+        <p:nvPicPr>
+          <p:cNvPr id="8" name="그림 7" descr="텍스트, 스크린샷, 그래픽 디자인, 만화 영화이(가) 표시된 사진&#10;&#10;자동 생성된 설명">
+            <a:extLst>
+              <a:ext uri="{FF2B5EF4-FFF2-40B4-BE49-F238E27FC236}">
+                <a16:creationId xmlns:a16="http://schemas.microsoft.com/office/drawing/2014/main" id="{275AC4E9-2970-7E0B-CAC7-B18FBAA4F676}"/>
+              </a:ext>
+            </a:extLst>
+          </p:cNvPr>
+          <p:cNvPicPr>
+            <a:picLocks noChangeAspect="1"/>
+          </p:cNvPicPr>
+          <p:nvPr/>
+        </p:nvPicPr>
+        <p:blipFill>
+          <a:blip r:embed="rId2">
+            <a:extLst>
+              <a:ext uri="{28A0092B-C50C-407E-A947-70E740481C1C}">
+                <a14:useLocalDpi xmlns:a14="http://schemas.microsoft.com/office/drawing/2010/main" val="0"/>
+              </a:ext>
+            </a:extLst>
+          </a:blip>
+          <a:stretch>
+            <a:fillRect/>
+          </a:stretch>
+        </p:blipFill>
+        <p:spPr>
+          <a:xfrm>
+            <a:off x="437146" y="100106"/>
+            <a:ext cx="3164307" cy="6504410"/>
+          </a:xfrm>
+          <a:prstGeom prst="rect">
+            <a:avLst/>
+          </a:prstGeom>
+        </p:spPr>
+      </p:pic>
+      <p:sp>
+        <p:nvSpPr>
+          <p:cNvPr id="9" name="TextBox 8">
+            <a:extLst>
+              <a:ext uri="{FF2B5EF4-FFF2-40B4-BE49-F238E27FC236}">
+                <a16:creationId xmlns:a16="http://schemas.microsoft.com/office/drawing/2014/main" id="{03AC14E8-F1C3-5CCC-D708-F1F8D1CFD3DF}"/>
+              </a:ext>
+            </a:extLst>
+          </p:cNvPr>
+          <p:cNvSpPr txBox="1"/>
+          <p:nvPr/>
+        </p:nvSpPr>
+        <p:spPr>
+          <a:xfrm>
+            <a:off x="4548402" y="3337277"/>
+            <a:ext cx="6005880" cy="3416320"/>
+          </a:xfrm>
+          <a:prstGeom prst="rect">
+            <a:avLst/>
+          </a:prstGeom>
+          <a:noFill/>
+        </p:spPr>
+        <p:txBody>
+          <a:bodyPr wrap="square" rtlCol="0">
+            <a:spAutoFit/>
+          </a:bodyPr>
+          <a:lstStyle/>
+          <a:p>
+            <a:r>
+              <a:rPr lang="ko-KR" altLang="en-US"/>
+              <a:t>폰트 색상 </a:t>
+            </a:r>
+            <a:r>
+              <a:rPr lang="en-US" altLang="ko-KR"/>
+              <a:t>(r,g,b)</a:t>
+            </a:r>
+          </a:p>
+          <a:p>
+            <a:endParaRPr lang="en-US" altLang="ko-KR"/>
+          </a:p>
+          <a:p>
+            <a:r>
+              <a:rPr lang="ko-KR" altLang="en-US"/>
+              <a:t>다이스뽑기위 재화</a:t>
+            </a:r>
+            <a:endParaRPr lang="en-US" altLang="ko-KR"/>
+          </a:p>
+          <a:p>
+            <a:r>
+              <a:rPr lang="ko-KR" altLang="en-US"/>
+              <a:t>색 </a:t>
+            </a:r>
+            <a:r>
+              <a:rPr lang="en-US" altLang="ko-KR"/>
+              <a:t>: (255,235,140)   </a:t>
+            </a:r>
+            <a:r>
+              <a:rPr lang="ko-KR" altLang="en-US"/>
+              <a:t>테두리</a:t>
+            </a:r>
+            <a:r>
+              <a:rPr lang="en-US" altLang="ko-KR"/>
+              <a:t>: (68,181,255)</a:t>
+            </a:r>
+          </a:p>
+          <a:p>
+            <a:endParaRPr lang="en-US" altLang="ko-KR"/>
+          </a:p>
+          <a:p>
+            <a:r>
+              <a:rPr lang="ko-KR" altLang="en-US"/>
+              <a:t>재화 및 목숨 수</a:t>
+            </a:r>
+            <a:endParaRPr lang="en-US" altLang="ko-KR"/>
+          </a:p>
+          <a:p>
+            <a:r>
+              <a:rPr lang="ko-KR" altLang="en-US"/>
+              <a:t>색 </a:t>
+            </a:r>
+            <a:r>
+              <a:rPr lang="en-US" altLang="ko-KR"/>
+              <a:t>: (0,0,0)       </a:t>
+            </a:r>
+            <a:r>
+              <a:rPr lang="ko-KR" altLang="en-US"/>
+              <a:t>테두리 </a:t>
+            </a:r>
+            <a:r>
+              <a:rPr lang="en-US" altLang="ko-KR"/>
+              <a:t>: (91,144,19)</a:t>
+            </a:r>
+          </a:p>
+          <a:p>
+            <a:endParaRPr lang="en-US" altLang="ko-KR"/>
+          </a:p>
+          <a:p>
+            <a:r>
+              <a:rPr lang="ko-KR" altLang="en-US"/>
+              <a:t>속성아이콘위에있는숫자</a:t>
+            </a:r>
+            <a:endParaRPr lang="en-US" altLang="ko-KR"/>
+          </a:p>
+          <a:p>
+            <a:r>
+              <a:rPr lang="ko-KR" altLang="en-US"/>
+              <a:t>색 </a:t>
+            </a:r>
+            <a:r>
+              <a:rPr lang="en-US" altLang="ko-KR"/>
+              <a:t>: (255,230,112)   </a:t>
+            </a:r>
+            <a:r>
+              <a:rPr lang="ko-KR" altLang="en-US"/>
+              <a:t>테두리 </a:t>
+            </a:r>
+            <a:r>
+              <a:rPr lang="en-US" altLang="ko-KR"/>
+              <a:t>: (86,126,31)</a:t>
+            </a:r>
+          </a:p>
+          <a:p>
+            <a:endParaRPr lang="en-US" altLang="ko-KR"/>
+          </a:p>
+          <a:p>
+            <a:endParaRPr lang="en-US" altLang="ko-KR"/>
+          </a:p>
+        </p:txBody>
+      </p:sp>
+      <p:sp>
+        <p:nvSpPr>
+          <p:cNvPr id="11" name="TextBox 10">
+            <a:extLst>
+              <a:ext uri="{FF2B5EF4-FFF2-40B4-BE49-F238E27FC236}">
+                <a16:creationId xmlns:a16="http://schemas.microsoft.com/office/drawing/2014/main" id="{4F407626-AAB2-2763-4EFD-5EE1BB30037C}"/>
+              </a:ext>
+            </a:extLst>
+          </p:cNvPr>
+          <p:cNvSpPr txBox="1"/>
+          <p:nvPr/>
+        </p:nvSpPr>
+        <p:spPr>
+          <a:xfrm>
+            <a:off x="8719831" y="6419850"/>
+            <a:ext cx="3174267" cy="369332"/>
+          </a:xfrm>
+          <a:prstGeom prst="rect">
+            <a:avLst/>
+          </a:prstGeom>
+          <a:noFill/>
+        </p:spPr>
+        <p:txBody>
+          <a:bodyPr wrap="none" rtlCol="0">
+            <a:spAutoFit/>
+          </a:bodyPr>
+          <a:lstStyle/>
+          <a:p>
+            <a:r>
+              <a:rPr lang="ko-KR" altLang="en-US"/>
+              <a:t>기타 정보는 </a:t>
+            </a:r>
+            <a:r>
+              <a:rPr lang="en-US" altLang="ko-KR"/>
+              <a:t>Ingame.psd</a:t>
+            </a:r>
+            <a:r>
+              <a:rPr lang="ko-KR" altLang="en-US"/>
+              <a:t>참고</a:t>
+            </a:r>
+          </a:p>
+        </p:txBody>
+      </p:sp>
+      <p:sp>
+        <p:nvSpPr>
+          <p:cNvPr id="2" name="제목 1">
+            <a:extLst>
+              <a:ext uri="{FF2B5EF4-FFF2-40B4-BE49-F238E27FC236}">
+                <a16:creationId xmlns:a16="http://schemas.microsoft.com/office/drawing/2014/main" id="{5BF7F56C-69AC-0049-0F9D-020EECEC8471}"/>
+              </a:ext>
+            </a:extLst>
+          </p:cNvPr>
+          <p:cNvSpPr>
+            <a:spLocks noGrp="1"/>
+          </p:cNvSpPr>
+          <p:nvPr>
+            <p:ph type="title"/>
+          </p:nvPr>
+        </p:nvSpPr>
+        <p:spPr>
+          <a:xfrm>
+            <a:off x="3963509" y="-151122"/>
+            <a:ext cx="1931263" cy="1325563"/>
+          </a:xfrm>
+        </p:spPr>
+        <p:txBody>
+          <a:bodyPr>
+            <a:normAutofit/>
+          </a:bodyPr>
+          <a:lstStyle/>
+          <a:p>
+            <a:r>
+              <a:rPr lang="ko-KR" altLang="en-US"/>
+              <a:t>인게임</a:t>
+            </a:r>
+          </a:p>
+        </p:txBody>
+      </p:sp>
+      <p:pic>
+        <p:nvPicPr>
+          <p:cNvPr id="12" name="그림 11" descr="클립아트, 그림, 만화 영화, 일러스트레이션이(가) 표시된 사진&#10;&#10;자동 생성된 설명">
+            <a:extLst>
+              <a:ext uri="{FF2B5EF4-FFF2-40B4-BE49-F238E27FC236}">
+                <a16:creationId xmlns:a16="http://schemas.microsoft.com/office/drawing/2014/main" id="{53B769EC-A8F4-E766-D242-E785D5C57FE7}"/>
+              </a:ext>
+            </a:extLst>
+          </p:cNvPr>
+          <p:cNvPicPr>
+            <a:picLocks noChangeAspect="1"/>
+          </p:cNvPicPr>
+          <p:nvPr/>
+        </p:nvPicPr>
+        <p:blipFill>
+          <a:blip r:embed="rId3">
+            <a:extLst>
+              <a:ext uri="{28A0092B-C50C-407E-A947-70E740481C1C}">
+                <a14:useLocalDpi xmlns:a14="http://schemas.microsoft.com/office/drawing/2010/main" val="0"/>
+              </a:ext>
+            </a:extLst>
+          </a:blip>
+          <a:stretch>
+            <a:fillRect/>
+          </a:stretch>
+        </p:blipFill>
+        <p:spPr>
+          <a:xfrm>
+            <a:off x="447306" y="1935169"/>
+            <a:ext cx="696783" cy="625151"/>
+          </a:xfrm>
+          <a:prstGeom prst="rect">
+            <a:avLst/>
+          </a:prstGeom>
+        </p:spPr>
+      </p:pic>
+    </p:spTree>
+    <p:extLst>
+      <p:ext uri="{BB962C8B-B14F-4D97-AF65-F5344CB8AC3E}">
+        <p14:creationId xmlns:p14="http://schemas.microsoft.com/office/powerpoint/2010/main" val="200011221"/>
+      </p:ext>
+    </p:extLst>
+  </p:cSld>
+  <p:clrMapOvr>
+    <a:masterClrMapping/>
+  </p:clrMapOvr>
+</p:sld>
+</file>
+
+<file path=ppt/slides/slide12.xml><?xml version="1.0" encoding="utf-8"?>
+<p:sld xmlns:a="http://schemas.openxmlformats.org/drawingml/2006/main" xmlns:r="http://schemas.openxmlformats.org/officeDocument/2006/relationships" xmlns:p="http://schemas.openxmlformats.org/presentationml/2006/main">
+  <p:cSld>
+    <p:spTree>
+      <p:nvGrpSpPr>
+        <p:cNvPr id="1" name=""/>
+        <p:cNvGrpSpPr/>
+        <p:nvPr/>
+      </p:nvGrpSpPr>
+      <p:grpSpPr>
+        <a:xfrm>
+          <a:off x="0" y="0"/>
+          <a:ext cx="0" cy="0"/>
+          <a:chOff x="0" y="0"/>
+          <a:chExt cx="0" cy="0"/>
+        </a:xfrm>
+      </p:grpSpPr>
+      <p:sp>
+        <p:nvSpPr>
+          <p:cNvPr id="6" name="TextBox 5">
+            <a:extLst>
+              <a:ext uri="{FF2B5EF4-FFF2-40B4-BE49-F238E27FC236}">
+                <a16:creationId xmlns:a16="http://schemas.microsoft.com/office/drawing/2014/main" id="{F84EDA2D-DECD-D6E5-7664-90CB2C4052B7}"/>
+              </a:ext>
+            </a:extLst>
+          </p:cNvPr>
+          <p:cNvSpPr txBox="1"/>
+          <p:nvPr/>
+        </p:nvSpPr>
+        <p:spPr>
+          <a:xfrm>
+            <a:off x="4494675" y="2927328"/>
+            <a:ext cx="6005880" cy="369332"/>
+          </a:xfrm>
+          <a:prstGeom prst="rect">
+            <a:avLst/>
+          </a:prstGeom>
+          <a:noFill/>
+        </p:spPr>
+        <p:txBody>
+          <a:bodyPr wrap="square" rtlCol="0">
+            <a:spAutoFit/>
+          </a:bodyPr>
+          <a:lstStyle/>
+          <a:p>
+            <a:r>
+              <a:rPr lang="en-US" altLang="ko-KR"/>
+              <a:t>- </a:t>
+            </a:r>
+            <a:r>
+              <a:rPr lang="ko-KR" altLang="en-US"/>
+              <a:t>인게임 내 변동하는 숫자들 폰트 </a:t>
+            </a:r>
+            <a:r>
+              <a:rPr lang="en-US" altLang="ko-KR"/>
+              <a:t>: </a:t>
+            </a:r>
+            <a:r>
+              <a:rPr lang="ko-KR" altLang="en-US"/>
+              <a:t>메이플스토리</a:t>
+            </a:r>
+            <a:endParaRPr lang="en-US" altLang="ko-KR"/>
+          </a:p>
+        </p:txBody>
+      </p:sp>
+      <p:sp>
+        <p:nvSpPr>
+          <p:cNvPr id="9" name="TextBox 8">
+            <a:extLst>
+              <a:ext uri="{FF2B5EF4-FFF2-40B4-BE49-F238E27FC236}">
+                <a16:creationId xmlns:a16="http://schemas.microsoft.com/office/drawing/2014/main" id="{03AC14E8-F1C3-5CCC-D708-F1F8D1CFD3DF}"/>
+              </a:ext>
+            </a:extLst>
+          </p:cNvPr>
+          <p:cNvSpPr txBox="1"/>
+          <p:nvPr/>
+        </p:nvSpPr>
+        <p:spPr>
+          <a:xfrm>
+            <a:off x="4637179" y="4255386"/>
+            <a:ext cx="6005880" cy="923330"/>
+          </a:xfrm>
+          <a:prstGeom prst="rect">
+            <a:avLst/>
+          </a:prstGeom>
+          <a:noFill/>
+        </p:spPr>
+        <p:txBody>
+          <a:bodyPr wrap="square" rtlCol="0">
+            <a:spAutoFit/>
+          </a:bodyPr>
+          <a:lstStyle/>
+          <a:p>
+            <a:r>
+              <a:rPr lang="ko-KR" altLang="en-US"/>
+              <a:t>폰트 색상 </a:t>
+            </a:r>
+            <a:r>
+              <a:rPr lang="en-US" altLang="ko-KR"/>
+              <a:t>(r,g,b)</a:t>
+            </a:r>
+          </a:p>
+          <a:p>
+            <a:r>
+              <a:rPr lang="ko-KR" altLang="en-US"/>
+              <a:t>점수숫자 </a:t>
+            </a:r>
+            <a:r>
+              <a:rPr lang="en-US" altLang="ko-KR"/>
+              <a:t>: (164,222,234)</a:t>
+            </a:r>
+          </a:p>
+          <a:p>
+            <a:endParaRPr lang="en-US" altLang="ko-KR"/>
+          </a:p>
+        </p:txBody>
+      </p:sp>
+      <p:sp>
+        <p:nvSpPr>
+          <p:cNvPr id="10" name="TextBox 9">
+            <a:extLst>
+              <a:ext uri="{FF2B5EF4-FFF2-40B4-BE49-F238E27FC236}">
+                <a16:creationId xmlns:a16="http://schemas.microsoft.com/office/drawing/2014/main" id="{E7CC6ADA-A891-D009-1661-E65C0F6B410B}"/>
+              </a:ext>
+            </a:extLst>
+          </p:cNvPr>
+          <p:cNvSpPr txBox="1"/>
+          <p:nvPr/>
+        </p:nvSpPr>
+        <p:spPr>
+          <a:xfrm>
+            <a:off x="4494675" y="1922435"/>
+            <a:ext cx="6005880" cy="923330"/>
+          </a:xfrm>
+          <a:prstGeom prst="rect">
+            <a:avLst/>
+          </a:prstGeom>
+          <a:noFill/>
+        </p:spPr>
+        <p:txBody>
+          <a:bodyPr wrap="square" rtlCol="0">
+            <a:spAutoFit/>
+          </a:bodyPr>
+          <a:lstStyle/>
+          <a:p>
+            <a:r>
+              <a:rPr lang="ko-KR" altLang="en-US"/>
+              <a:t>변동없는</a:t>
+            </a:r>
+            <a:r>
+              <a:rPr lang="en-US" altLang="ko-KR"/>
+              <a:t> UI</a:t>
+            </a:r>
+            <a:r>
+              <a:rPr lang="ko-KR" altLang="en-US"/>
+              <a:t>용 폰트 </a:t>
+            </a:r>
+            <a:r>
+              <a:rPr lang="en-US" altLang="ko-KR"/>
+              <a:t>: Super Mario 256, Cafe24</a:t>
+            </a:r>
+            <a:r>
+              <a:rPr lang="ko-KR" altLang="en-US"/>
+              <a:t> </a:t>
+            </a:r>
+            <a:r>
+              <a:rPr lang="en-US" altLang="ko-KR"/>
+              <a:t>ssurround</a:t>
+            </a:r>
+          </a:p>
+          <a:p>
+            <a:endParaRPr lang="en-US" altLang="ko-KR"/>
+          </a:p>
+        </p:txBody>
+      </p:sp>
+      <p:sp>
+        <p:nvSpPr>
+          <p:cNvPr id="11" name="TextBox 10">
+            <a:extLst>
+              <a:ext uri="{FF2B5EF4-FFF2-40B4-BE49-F238E27FC236}">
+                <a16:creationId xmlns:a16="http://schemas.microsoft.com/office/drawing/2014/main" id="{4F407626-AAB2-2763-4EFD-5EE1BB30037C}"/>
+              </a:ext>
+            </a:extLst>
+          </p:cNvPr>
+          <p:cNvSpPr txBox="1"/>
+          <p:nvPr/>
+        </p:nvSpPr>
+        <p:spPr>
+          <a:xfrm>
+            <a:off x="8719831" y="6419850"/>
+            <a:ext cx="3538148" cy="369332"/>
+          </a:xfrm>
+          <a:prstGeom prst="rect">
+            <a:avLst/>
+          </a:prstGeom>
+          <a:noFill/>
+        </p:spPr>
+        <p:txBody>
+          <a:bodyPr wrap="none" rtlCol="0">
+            <a:spAutoFit/>
+          </a:bodyPr>
+          <a:lstStyle/>
+          <a:p>
+            <a:r>
+              <a:rPr lang="ko-KR" altLang="en-US"/>
+              <a:t>기타 정보는 </a:t>
+            </a:r>
+            <a:r>
+              <a:rPr lang="en-US" altLang="ko-KR"/>
+              <a:t>gameDone.psd</a:t>
+            </a:r>
+            <a:r>
+              <a:rPr lang="ko-KR" altLang="en-US"/>
+              <a:t>참고</a:t>
+            </a:r>
+          </a:p>
+        </p:txBody>
+      </p:sp>
+      <p:pic>
+        <p:nvPicPr>
+          <p:cNvPr id="4" name="그림 3" descr="텍스트, 스크린샷, 포스터, 그래픽 디자인이(가) 표시된 사진&#10;&#10;자동 생성된 설명">
+            <a:extLst>
+              <a:ext uri="{FF2B5EF4-FFF2-40B4-BE49-F238E27FC236}">
+                <a16:creationId xmlns:a16="http://schemas.microsoft.com/office/drawing/2014/main" id="{D8DC6CC7-4562-D872-1E87-4DF73AF3180C}"/>
+              </a:ext>
+            </a:extLst>
+          </p:cNvPr>
+          <p:cNvPicPr>
+            <a:picLocks noChangeAspect="1"/>
+          </p:cNvPicPr>
+          <p:nvPr/>
+        </p:nvPicPr>
+        <p:blipFill>
+          <a:blip r:embed="rId2">
+            <a:extLst>
+              <a:ext uri="{28A0092B-C50C-407E-A947-70E740481C1C}">
+                <a14:useLocalDpi xmlns:a14="http://schemas.microsoft.com/office/drawing/2010/main" val="0"/>
+              </a:ext>
+            </a:extLst>
+          </a:blip>
+          <a:stretch>
+            <a:fillRect/>
+          </a:stretch>
+        </p:blipFill>
+        <p:spPr>
+          <a:xfrm>
+            <a:off x="539418" y="0"/>
+            <a:ext cx="3336324" cy="6858000"/>
+          </a:xfrm>
+          <a:prstGeom prst="rect">
+            <a:avLst/>
+          </a:prstGeom>
+        </p:spPr>
+      </p:pic>
+      <p:sp>
+        <p:nvSpPr>
+          <p:cNvPr id="5" name="제목 1">
+            <a:extLst>
+              <a:ext uri="{FF2B5EF4-FFF2-40B4-BE49-F238E27FC236}">
+                <a16:creationId xmlns:a16="http://schemas.microsoft.com/office/drawing/2014/main" id="{FC352BAB-B216-3E06-9BDF-DE0041DBB29A}"/>
+              </a:ext>
+            </a:extLst>
+          </p:cNvPr>
+          <p:cNvSpPr>
+            <a:spLocks noGrp="1"/>
+          </p:cNvSpPr>
+          <p:nvPr>
+            <p:ph type="title"/>
+          </p:nvPr>
+        </p:nvSpPr>
+        <p:spPr>
+          <a:xfrm>
+            <a:off x="3963509" y="-151122"/>
+            <a:ext cx="3147505" cy="1325563"/>
+          </a:xfrm>
+        </p:spPr>
+        <p:txBody>
+          <a:bodyPr>
+            <a:normAutofit/>
+          </a:bodyPr>
+          <a:lstStyle/>
+          <a:p>
+            <a:r>
+              <a:rPr lang="ko-KR" altLang="en-US"/>
+              <a:t>게임종료</a:t>
+            </a:r>
+          </a:p>
+        </p:txBody>
+      </p:sp>
+    </p:spTree>
+    <p:extLst>
+      <p:ext uri="{BB962C8B-B14F-4D97-AF65-F5344CB8AC3E}">
         <p14:creationId xmlns:p14="http://schemas.microsoft.com/office/powerpoint/2010/main" val="2630457217"/>
+      </p:ext>
+    </p:extLst>
+  </p:cSld>
+  <p:clrMapOvr>
+    <a:masterClrMapping/>
+  </p:clrMapOvr>
+</p:sld>
+</file>
+
+<file path=ppt/slides/slide13.xml><?xml version="1.0" encoding="utf-8"?>
+<p:sld xmlns:a="http://schemas.openxmlformats.org/drawingml/2006/main" xmlns:r="http://schemas.openxmlformats.org/officeDocument/2006/relationships" xmlns:p="http://schemas.openxmlformats.org/presentationml/2006/main">
+  <p:cSld>
+    <p:spTree>
+      <p:nvGrpSpPr>
+        <p:cNvPr id="1" name=""/>
+        <p:cNvGrpSpPr/>
+        <p:nvPr/>
+      </p:nvGrpSpPr>
+      <p:grpSpPr>
+        <a:xfrm>
+          <a:off x="0" y="0"/>
+          <a:ext cx="0" cy="0"/>
+          <a:chOff x="0" y="0"/>
+          <a:chExt cx="0" cy="0"/>
+        </a:xfrm>
+      </p:grpSpPr>
+      <p:sp>
+        <p:nvSpPr>
+          <p:cNvPr id="6" name="TextBox 5">
+            <a:extLst>
+              <a:ext uri="{FF2B5EF4-FFF2-40B4-BE49-F238E27FC236}">
+                <a16:creationId xmlns:a16="http://schemas.microsoft.com/office/drawing/2014/main" id="{F84EDA2D-DECD-D6E5-7664-90CB2C4052B7}"/>
+              </a:ext>
+            </a:extLst>
+          </p:cNvPr>
+          <p:cNvSpPr txBox="1"/>
+          <p:nvPr/>
+        </p:nvSpPr>
+        <p:spPr>
+          <a:xfrm>
+            <a:off x="4494675" y="2927328"/>
+            <a:ext cx="6005880" cy="369332"/>
+          </a:xfrm>
+          <a:prstGeom prst="rect">
+            <a:avLst/>
+          </a:prstGeom>
+          <a:noFill/>
+        </p:spPr>
+        <p:txBody>
+          <a:bodyPr wrap="square" rtlCol="0">
+            <a:spAutoFit/>
+          </a:bodyPr>
+          <a:lstStyle/>
+          <a:p>
+            <a:r>
+              <a:rPr lang="ko-KR" altLang="en-US"/>
+              <a:t>스코어 폰트 </a:t>
+            </a:r>
+            <a:r>
+              <a:rPr lang="en-US" altLang="ko-KR"/>
+              <a:t>: </a:t>
+            </a:r>
+            <a:r>
+              <a:rPr lang="ko-KR" altLang="en-US"/>
+              <a:t>메이플스토리</a:t>
+            </a:r>
+            <a:endParaRPr lang="en-US" altLang="ko-KR"/>
+          </a:p>
+        </p:txBody>
+      </p:sp>
+      <p:sp>
+        <p:nvSpPr>
+          <p:cNvPr id="9" name="TextBox 8">
+            <a:extLst>
+              <a:ext uri="{FF2B5EF4-FFF2-40B4-BE49-F238E27FC236}">
+                <a16:creationId xmlns:a16="http://schemas.microsoft.com/office/drawing/2014/main" id="{03AC14E8-F1C3-5CCC-D708-F1F8D1CFD3DF}"/>
+              </a:ext>
+            </a:extLst>
+          </p:cNvPr>
+          <p:cNvSpPr txBox="1"/>
+          <p:nvPr/>
+        </p:nvSpPr>
+        <p:spPr>
+          <a:xfrm>
+            <a:off x="4637179" y="4255386"/>
+            <a:ext cx="6005880" cy="923330"/>
+          </a:xfrm>
+          <a:prstGeom prst="rect">
+            <a:avLst/>
+          </a:prstGeom>
+          <a:noFill/>
+        </p:spPr>
+        <p:txBody>
+          <a:bodyPr wrap="square" rtlCol="0">
+            <a:spAutoFit/>
+          </a:bodyPr>
+          <a:lstStyle/>
+          <a:p>
+            <a:r>
+              <a:rPr lang="ko-KR" altLang="en-US"/>
+              <a:t>폰트 색상 </a:t>
+            </a:r>
+            <a:r>
+              <a:rPr lang="en-US" altLang="ko-KR"/>
+              <a:t>(r,g,b)</a:t>
+            </a:r>
+          </a:p>
+          <a:p>
+            <a:r>
+              <a:rPr lang="ko-KR" altLang="en-US"/>
+              <a:t>점수숫자 </a:t>
+            </a:r>
+            <a:r>
+              <a:rPr lang="en-US" altLang="ko-KR"/>
+              <a:t>: (164,222,234)</a:t>
+            </a:r>
+          </a:p>
+          <a:p>
+            <a:endParaRPr lang="en-US" altLang="ko-KR"/>
+          </a:p>
+        </p:txBody>
+      </p:sp>
+      <p:sp>
+        <p:nvSpPr>
+          <p:cNvPr id="11" name="TextBox 10">
+            <a:extLst>
+              <a:ext uri="{FF2B5EF4-FFF2-40B4-BE49-F238E27FC236}">
+                <a16:creationId xmlns:a16="http://schemas.microsoft.com/office/drawing/2014/main" id="{4F407626-AAB2-2763-4EFD-5EE1BB30037C}"/>
+              </a:ext>
+            </a:extLst>
+          </p:cNvPr>
+          <p:cNvSpPr txBox="1"/>
+          <p:nvPr/>
+        </p:nvSpPr>
+        <p:spPr>
+          <a:xfrm>
+            <a:off x="8719831" y="6419850"/>
+            <a:ext cx="3438827" cy="369332"/>
+          </a:xfrm>
+          <a:prstGeom prst="rect">
+            <a:avLst/>
+          </a:prstGeom>
+          <a:noFill/>
+        </p:spPr>
+        <p:txBody>
+          <a:bodyPr wrap="none" rtlCol="0">
+            <a:spAutoFit/>
+          </a:bodyPr>
+          <a:lstStyle/>
+          <a:p>
+            <a:r>
+              <a:rPr lang="ko-KR" altLang="en-US"/>
+              <a:t>기타 정보는 </a:t>
+            </a:r>
+            <a:r>
+              <a:rPr lang="en-US" altLang="ko-KR"/>
+              <a:t>gameStop.psd</a:t>
+            </a:r>
+            <a:r>
+              <a:rPr lang="ko-KR" altLang="en-US"/>
+              <a:t>참고</a:t>
+            </a:r>
+          </a:p>
+        </p:txBody>
+      </p:sp>
+      <p:sp>
+        <p:nvSpPr>
+          <p:cNvPr id="5" name="제목 1">
+            <a:extLst>
+              <a:ext uri="{FF2B5EF4-FFF2-40B4-BE49-F238E27FC236}">
+                <a16:creationId xmlns:a16="http://schemas.microsoft.com/office/drawing/2014/main" id="{FC352BAB-B216-3E06-9BDF-DE0041DBB29A}"/>
+              </a:ext>
+            </a:extLst>
+          </p:cNvPr>
+          <p:cNvSpPr>
+            <a:spLocks noGrp="1"/>
+          </p:cNvSpPr>
+          <p:nvPr>
+            <p:ph type="title"/>
+          </p:nvPr>
+        </p:nvSpPr>
+        <p:spPr>
+          <a:xfrm>
+            <a:off x="3963509" y="-151122"/>
+            <a:ext cx="5917338" cy="1325563"/>
+          </a:xfrm>
+        </p:spPr>
+        <p:txBody>
+          <a:bodyPr>
+            <a:normAutofit/>
+          </a:bodyPr>
+          <a:lstStyle/>
+          <a:p>
+            <a:r>
+              <a:rPr lang="ko-KR" altLang="en-US"/>
+              <a:t>게임일시정지</a:t>
+            </a:r>
+          </a:p>
+        </p:txBody>
+      </p:sp>
+      <p:pic>
+        <p:nvPicPr>
+          <p:cNvPr id="3" name="그림 2" descr="텍스트, 스크린샷, 그래픽 디자인, 그래픽이(가) 표시된 사진&#10;&#10;자동 생성된 설명">
+            <a:extLst>
+              <a:ext uri="{FF2B5EF4-FFF2-40B4-BE49-F238E27FC236}">
+                <a16:creationId xmlns:a16="http://schemas.microsoft.com/office/drawing/2014/main" id="{A419FD53-F2D6-32E1-2AFC-FE18C928D11D}"/>
+              </a:ext>
+            </a:extLst>
+          </p:cNvPr>
+          <p:cNvPicPr>
+            <a:picLocks noChangeAspect="1"/>
+          </p:cNvPicPr>
+          <p:nvPr/>
+        </p:nvPicPr>
+        <p:blipFill>
+          <a:blip r:embed="rId2">
+            <a:extLst>
+              <a:ext uri="{28A0092B-C50C-407E-A947-70E740481C1C}">
+                <a14:useLocalDpi xmlns:a14="http://schemas.microsoft.com/office/drawing/2010/main" val="0"/>
+              </a:ext>
+            </a:extLst>
+          </a:blip>
+          <a:stretch>
+            <a:fillRect/>
+          </a:stretch>
+        </p:blipFill>
+        <p:spPr>
+          <a:xfrm>
+            <a:off x="317477" y="0"/>
+            <a:ext cx="3336324" cy="6858000"/>
+          </a:xfrm>
+          <a:prstGeom prst="rect">
+            <a:avLst/>
+          </a:prstGeom>
+        </p:spPr>
+      </p:pic>
+    </p:spTree>
+    <p:extLst>
+      <p:ext uri="{BB962C8B-B14F-4D97-AF65-F5344CB8AC3E}">
+        <p14:creationId xmlns:p14="http://schemas.microsoft.com/office/powerpoint/2010/main" val="2459229125"/>
       </p:ext>
     </p:extLst>
   </p:cSld>
@@ -3746,7 +4630,7 @@
         </p:nvSpPr>
         <p:spPr>
           <a:xfrm>
-            <a:off x="3587578" y="2533135"/>
+            <a:off x="4195768" y="2488747"/>
             <a:ext cx="3538148" cy="369332"/>
           </a:xfrm>
           <a:prstGeom prst="rect">
@@ -3793,7 +4677,7 @@
         </p:nvSpPr>
         <p:spPr>
           <a:xfrm>
-            <a:off x="3814119" y="5552303"/>
+            <a:off x="4170632" y="5375834"/>
             <a:ext cx="3850734" cy="369332"/>
           </a:xfrm>
           <a:prstGeom prst="rect">
@@ -3863,28 +4747,34 @@
       </p:sp>
       <p:pic>
         <p:nvPicPr>
-          <p:cNvPr id="2" name="그림 1" descr="클립아트, 고양이, 일러스트레이션, 아동 미술이(가) 표시된 사진&#10;&#10;자동 생성된 설명">
-            <a:extLst>
-              <a:ext uri="{FF2B5EF4-FFF2-40B4-BE49-F238E27FC236}">
-                <a16:creationId xmlns:a16="http://schemas.microsoft.com/office/drawing/2014/main" id="{E7F0335E-5941-A93D-691C-55DD08D5AA00}"/>
+          <p:cNvPr id="5" name="그림 4" descr="클립아트, 아동 미술, 만화 영화, 일러스트레이션이(가) 표시된 사진&#10;&#10;자동 생성된 설명">
+            <a:extLst>
+              <a:ext uri="{FF2B5EF4-FFF2-40B4-BE49-F238E27FC236}">
+                <a16:creationId xmlns:a16="http://schemas.microsoft.com/office/drawing/2014/main" id="{B80806DC-7117-9CED-762F-8EE738DEC333}"/>
               </a:ext>
             </a:extLst>
           </p:cNvPr>
           <p:cNvPicPr>
-            <a:picLocks/>
+            <a:picLocks noChangeAspect="1"/>
           </p:cNvPicPr>
           <p:nvPr/>
         </p:nvPicPr>
         <p:blipFill>
-          <a:blip r:embed="rId2"/>
+          <a:blip r:embed="rId2">
+            <a:extLst>
+              <a:ext uri="{28A0092B-C50C-407E-A947-70E740481C1C}">
+                <a14:useLocalDpi xmlns:a14="http://schemas.microsoft.com/office/drawing/2010/main" val="0"/>
+              </a:ext>
+            </a:extLst>
+          </a:blip>
           <a:stretch>
             <a:fillRect/>
           </a:stretch>
         </p:blipFill>
         <p:spPr>
           <a:xfrm>
-            <a:off x="822803" y="811570"/>
-            <a:ext cx="1259840" cy="1259840"/>
+            <a:off x="9813730" y="677865"/>
+            <a:ext cx="1560579" cy="1560579"/>
           </a:xfrm>
           <a:prstGeom prst="rect">
             <a:avLst/>
@@ -3893,28 +4783,34 @@
       </p:pic>
       <p:pic>
         <p:nvPicPr>
-          <p:cNvPr id="3" name="그림 2" descr="클립아트, 만화 영화, 그래픽, 일러스트레이션이(가) 표시된 사진&#10;&#10;자동 생성된 설명">
-            <a:extLst>
-              <a:ext uri="{FF2B5EF4-FFF2-40B4-BE49-F238E27FC236}">
-                <a16:creationId xmlns:a16="http://schemas.microsoft.com/office/drawing/2014/main" id="{AA9567FB-7930-8A4A-E414-8FD4958E3E62}"/>
+          <p:cNvPr id="7" name="그림 6" descr="고양이, 클립아트, 만화 영화, 일러스트레이션이(가) 표시된 사진&#10;&#10;자동 생성된 설명">
+            <a:extLst>
+              <a:ext uri="{FF2B5EF4-FFF2-40B4-BE49-F238E27FC236}">
+                <a16:creationId xmlns:a16="http://schemas.microsoft.com/office/drawing/2014/main" id="{D279F476-15D2-607D-29CB-65876D51675C}"/>
               </a:ext>
             </a:extLst>
           </p:cNvPr>
           <p:cNvPicPr>
-            <a:picLocks/>
+            <a:picLocks noChangeAspect="1"/>
           </p:cNvPicPr>
           <p:nvPr/>
         </p:nvPicPr>
         <p:blipFill>
-          <a:blip r:embed="rId3"/>
+          <a:blip r:embed="rId3">
+            <a:extLst>
+              <a:ext uri="{28A0092B-C50C-407E-A947-70E740481C1C}">
+                <a14:useLocalDpi xmlns:a14="http://schemas.microsoft.com/office/drawing/2010/main" val="0"/>
+              </a:ext>
+            </a:extLst>
+          </a:blip>
           <a:stretch>
             <a:fillRect/>
           </a:stretch>
         </p:blipFill>
         <p:spPr>
           <a:xfrm>
-            <a:off x="2340572" y="5152249"/>
-            <a:ext cx="1259840" cy="1259840"/>
+            <a:off x="938019" y="677866"/>
+            <a:ext cx="1560579" cy="1560579"/>
           </a:xfrm>
           <a:prstGeom prst="rect">
             <a:avLst/>
@@ -3923,28 +4819,34 @@
       </p:pic>
       <p:pic>
         <p:nvPicPr>
-          <p:cNvPr id="4" name="그림 3" descr="클립아트, 고양이, 일러스트레이션, 아동 미술이(가) 표시된 사진&#10;&#10;자동 생성된 설명">
-            <a:extLst>
-              <a:ext uri="{FF2B5EF4-FFF2-40B4-BE49-F238E27FC236}">
-                <a16:creationId xmlns:a16="http://schemas.microsoft.com/office/drawing/2014/main" id="{5DBA2284-FA50-5080-E159-9A9672422591}"/>
+          <p:cNvPr id="10" name="그림 9" descr="클립아트, 고양이, 만화 영화, 일러스트레이션이(가) 표시된 사진&#10;&#10;자동 생성된 설명">
+            <a:extLst>
+              <a:ext uri="{FF2B5EF4-FFF2-40B4-BE49-F238E27FC236}">
+                <a16:creationId xmlns:a16="http://schemas.microsoft.com/office/drawing/2014/main" id="{A17066A1-D4AC-EDD9-ECAA-D4C8EF30DF97}"/>
               </a:ext>
             </a:extLst>
           </p:cNvPr>
           <p:cNvPicPr>
-            <a:picLocks/>
+            <a:picLocks noChangeAspect="1"/>
           </p:cNvPicPr>
           <p:nvPr/>
         </p:nvPicPr>
         <p:blipFill>
-          <a:blip r:embed="rId2"/>
+          <a:blip r:embed="rId4">
+            <a:extLst>
+              <a:ext uri="{28A0092B-C50C-407E-A947-70E740481C1C}">
+                <a14:useLocalDpi xmlns:a14="http://schemas.microsoft.com/office/drawing/2010/main" val="0"/>
+              </a:ext>
+            </a:extLst>
+          </a:blip>
           <a:stretch>
             <a:fillRect/>
           </a:stretch>
         </p:blipFill>
         <p:spPr>
           <a:xfrm>
-            <a:off x="2554279" y="811570"/>
-            <a:ext cx="1259840" cy="1259840"/>
+            <a:off x="3061286" y="649875"/>
+            <a:ext cx="1560579" cy="1560579"/>
           </a:xfrm>
           <a:prstGeom prst="rect">
             <a:avLst/>
@@ -3953,28 +4855,34 @@
       </p:pic>
       <p:pic>
         <p:nvPicPr>
-          <p:cNvPr id="5" name="그림 4" descr="클립아트, 고양이, 일러스트레이션, 아동 미술이(가) 표시된 사진&#10;&#10;자동 생성된 설명">
-            <a:extLst>
-              <a:ext uri="{FF2B5EF4-FFF2-40B4-BE49-F238E27FC236}">
-                <a16:creationId xmlns:a16="http://schemas.microsoft.com/office/drawing/2014/main" id="{0953F1E5-D62E-E6EF-F896-DA6A58753EE8}"/>
+          <p:cNvPr id="12" name="그림 11" descr="고양이, 클립아트, 만화 영화, 일러스트레이션이(가) 표시된 사진&#10;&#10;자동 생성된 설명">
+            <a:extLst>
+              <a:ext uri="{FF2B5EF4-FFF2-40B4-BE49-F238E27FC236}">
+                <a16:creationId xmlns:a16="http://schemas.microsoft.com/office/drawing/2014/main" id="{86E0C591-60B8-CB37-2F27-AE8C69FBC3F9}"/>
               </a:ext>
             </a:extLst>
           </p:cNvPr>
           <p:cNvPicPr>
-            <a:picLocks/>
+            <a:picLocks noChangeAspect="1"/>
           </p:cNvPicPr>
           <p:nvPr/>
         </p:nvPicPr>
         <p:blipFill>
-          <a:blip r:embed="rId2"/>
+          <a:blip r:embed="rId5">
+            <a:extLst>
+              <a:ext uri="{28A0092B-C50C-407E-A947-70E740481C1C}">
+                <a14:useLocalDpi xmlns:a14="http://schemas.microsoft.com/office/drawing/2010/main" val="0"/>
+              </a:ext>
+            </a:extLst>
+          </a:blip>
           <a:stretch>
             <a:fillRect/>
           </a:stretch>
         </p:blipFill>
         <p:spPr>
           <a:xfrm>
-            <a:off x="4260791" y="814976"/>
-            <a:ext cx="1259840" cy="1259840"/>
+            <a:off x="5184553" y="668309"/>
+            <a:ext cx="1560579" cy="1560579"/>
           </a:xfrm>
           <a:prstGeom prst="rect">
             <a:avLst/>
@@ -3983,28 +4891,34 @@
       </p:pic>
       <p:pic>
         <p:nvPicPr>
-          <p:cNvPr id="6" name="그림 5" descr="클립아트, 고양이, 일러스트레이션, 아동 미술이(가) 표시된 사진&#10;&#10;자동 생성된 설명">
-            <a:extLst>
-              <a:ext uri="{FF2B5EF4-FFF2-40B4-BE49-F238E27FC236}">
-                <a16:creationId xmlns:a16="http://schemas.microsoft.com/office/drawing/2014/main" id="{4E877733-0D48-C7AB-554A-953601566D24}"/>
+          <p:cNvPr id="14" name="그림 13" descr="클립아트, 고양이, 일러스트레이션, 만화 영화이(가) 표시된 사진&#10;&#10;자동 생성된 설명">
+            <a:extLst>
+              <a:ext uri="{FF2B5EF4-FFF2-40B4-BE49-F238E27FC236}">
+                <a16:creationId xmlns:a16="http://schemas.microsoft.com/office/drawing/2014/main" id="{344B2A56-0346-3DAC-046C-ACA34AE877F7}"/>
               </a:ext>
             </a:extLst>
           </p:cNvPr>
           <p:cNvPicPr>
-            <a:picLocks/>
+            <a:picLocks noChangeAspect="1"/>
           </p:cNvPicPr>
           <p:nvPr/>
         </p:nvPicPr>
         <p:blipFill>
-          <a:blip r:embed="rId2"/>
+          <a:blip r:embed="rId6">
+            <a:extLst>
+              <a:ext uri="{28A0092B-C50C-407E-A947-70E740481C1C}">
+                <a14:useLocalDpi xmlns:a14="http://schemas.microsoft.com/office/drawing/2010/main" val="0"/>
+              </a:ext>
+            </a:extLst>
+          </a:blip>
           <a:stretch>
             <a:fillRect/>
           </a:stretch>
         </p:blipFill>
         <p:spPr>
           <a:xfrm>
-            <a:off x="5992267" y="814976"/>
-            <a:ext cx="1259840" cy="1259840"/>
+            <a:off x="7547969" y="649874"/>
+            <a:ext cx="1560579" cy="1560579"/>
           </a:xfrm>
           <a:prstGeom prst="rect">
             <a:avLst/>
@@ -4013,610 +4927,82 @@
       </p:pic>
       <p:pic>
         <p:nvPicPr>
-          <p:cNvPr id="7" name="그림 6" descr="클립아트, 고양이, 일러스트레이션, 아동 미술이(가) 표시된 사진&#10;&#10;자동 생성된 설명">
-            <a:extLst>
-              <a:ext uri="{FF2B5EF4-FFF2-40B4-BE49-F238E27FC236}">
-                <a16:creationId xmlns:a16="http://schemas.microsoft.com/office/drawing/2014/main" id="{566533EA-DC00-7D47-406A-2834D3D184C0}"/>
+          <p:cNvPr id="16" name="그림 15" descr="만화 영화, 그래픽, 그래픽 디자인, 일러스트레이션이(가) 표시된 사진&#10;&#10;자동 생성된 설명">
+            <a:extLst>
+              <a:ext uri="{FF2B5EF4-FFF2-40B4-BE49-F238E27FC236}">
+                <a16:creationId xmlns:a16="http://schemas.microsoft.com/office/drawing/2014/main" id="{50C26D49-A151-C84A-FB7E-61163276A22D}"/>
               </a:ext>
             </a:extLst>
           </p:cNvPr>
           <p:cNvPicPr>
-            <a:picLocks/>
+            <a:picLocks noChangeAspect="1"/>
           </p:cNvPicPr>
           <p:nvPr/>
         </p:nvPicPr>
         <p:blipFill>
-          <a:blip r:embed="rId2"/>
+          <a:blip r:embed="rId7">
+            <a:extLst>
+              <a:ext uri="{28A0092B-C50C-407E-A947-70E740481C1C}">
+                <a14:useLocalDpi xmlns:a14="http://schemas.microsoft.com/office/drawing/2010/main" val="0"/>
+              </a:ext>
+            </a:extLst>
+          </a:blip>
           <a:stretch>
             <a:fillRect/>
           </a:stretch>
         </p:blipFill>
         <p:spPr>
           <a:xfrm>
-            <a:off x="7719306" y="811570"/>
-            <a:ext cx="1259840" cy="1259840"/>
+            <a:off x="7710654" y="3429000"/>
+            <a:ext cx="1560579" cy="1560579"/>
           </a:xfrm>
           <a:prstGeom prst="rect">
             <a:avLst/>
           </a:prstGeom>
         </p:spPr>
       </p:pic>
-      <p:sp>
-        <p:nvSpPr>
-          <p:cNvPr id="9" name="별: 꼭짓점 5개 8">
-            <a:extLst>
-              <a:ext uri="{FF2B5EF4-FFF2-40B4-BE49-F238E27FC236}">
-                <a16:creationId xmlns:a16="http://schemas.microsoft.com/office/drawing/2014/main" id="{C4C7D575-6504-EE8A-75EC-63F9E083F194}"/>
-              </a:ext>
-            </a:extLst>
-          </p:cNvPr>
-          <p:cNvSpPr/>
-          <p:nvPr/>
-        </p:nvSpPr>
-        <p:spPr>
-          <a:xfrm>
-            <a:off x="1347289" y="871521"/>
-            <a:ext cx="289068" cy="289068"/>
-          </a:xfrm>
-          <a:prstGeom prst="star5">
-            <a:avLst/>
-          </a:prstGeom>
-          <a:solidFill>
-            <a:srgbClr val="FFFF00"/>
-          </a:solidFill>
-          <a:ln w="19050">
-            <a:solidFill>
-              <a:schemeClr val="tx1"/>
-            </a:solidFill>
-          </a:ln>
-        </p:spPr>
-        <p:style>
-          <a:lnRef idx="2">
-            <a:schemeClr val="accent1">
-              <a:shade val="15000"/>
-            </a:schemeClr>
-          </a:lnRef>
-          <a:fillRef idx="1">
-            <a:schemeClr val="accent1"/>
-          </a:fillRef>
-          <a:effectRef idx="0">
-            <a:schemeClr val="accent1"/>
-          </a:effectRef>
-          <a:fontRef idx="minor">
-            <a:schemeClr val="lt1"/>
-          </a:fontRef>
-        </p:style>
-        <p:txBody>
-          <a:bodyPr rtlCol="0" anchor="ctr"/>
-          <a:lstStyle/>
-          <a:p>
-            <a:pPr algn="ctr"/>
-            <a:endParaRPr lang="ko-KR" altLang="en-US"/>
-          </a:p>
-        </p:txBody>
-      </p:sp>
-      <p:sp>
-        <p:nvSpPr>
-          <p:cNvPr id="10" name="별: 꼭짓점 5개 9">
-            <a:extLst>
-              <a:ext uri="{FF2B5EF4-FFF2-40B4-BE49-F238E27FC236}">
-                <a16:creationId xmlns:a16="http://schemas.microsoft.com/office/drawing/2014/main" id="{26F36D4A-8626-21D6-3569-C259ECB4D89B}"/>
-              </a:ext>
-            </a:extLst>
-          </p:cNvPr>
-          <p:cNvSpPr/>
-          <p:nvPr/>
-        </p:nvSpPr>
-        <p:spPr>
-          <a:xfrm>
-            <a:off x="2887938" y="871521"/>
-            <a:ext cx="289068" cy="289068"/>
-          </a:xfrm>
-          <a:prstGeom prst="star5">
-            <a:avLst/>
-          </a:prstGeom>
-          <a:solidFill>
-            <a:srgbClr val="FFFF00"/>
-          </a:solidFill>
-          <a:ln w="19050">
-            <a:solidFill>
-              <a:schemeClr val="tx1"/>
-            </a:solidFill>
-          </a:ln>
-        </p:spPr>
-        <p:style>
-          <a:lnRef idx="2">
-            <a:schemeClr val="accent1">
-              <a:shade val="15000"/>
-            </a:schemeClr>
-          </a:lnRef>
-          <a:fillRef idx="1">
-            <a:schemeClr val="accent1"/>
-          </a:fillRef>
-          <a:effectRef idx="0">
-            <a:schemeClr val="accent1"/>
-          </a:effectRef>
-          <a:fontRef idx="minor">
-            <a:schemeClr val="lt1"/>
-          </a:fontRef>
-        </p:style>
-        <p:txBody>
-          <a:bodyPr rtlCol="0" anchor="ctr"/>
-          <a:lstStyle/>
-          <a:p>
-            <a:pPr algn="ctr"/>
-            <a:endParaRPr lang="ko-KR" altLang="en-US"/>
-          </a:p>
-        </p:txBody>
-      </p:sp>
-      <p:sp>
-        <p:nvSpPr>
-          <p:cNvPr id="11" name="별: 꼭짓점 5개 10">
-            <a:extLst>
-              <a:ext uri="{FF2B5EF4-FFF2-40B4-BE49-F238E27FC236}">
-                <a16:creationId xmlns:a16="http://schemas.microsoft.com/office/drawing/2014/main" id="{09567E62-24B3-7DF8-F021-FDCD713DEB0E}"/>
-              </a:ext>
-            </a:extLst>
-          </p:cNvPr>
-          <p:cNvSpPr/>
-          <p:nvPr/>
-        </p:nvSpPr>
-        <p:spPr>
-          <a:xfrm>
-            <a:off x="3223394" y="871521"/>
-            <a:ext cx="289068" cy="289068"/>
-          </a:xfrm>
-          <a:prstGeom prst="star5">
-            <a:avLst/>
-          </a:prstGeom>
-          <a:solidFill>
-            <a:srgbClr val="FFFF00"/>
-          </a:solidFill>
-          <a:ln w="19050">
-            <a:solidFill>
-              <a:schemeClr val="tx1"/>
-            </a:solidFill>
-          </a:ln>
-        </p:spPr>
-        <p:style>
-          <a:lnRef idx="2">
-            <a:schemeClr val="accent1">
-              <a:shade val="15000"/>
-            </a:schemeClr>
-          </a:lnRef>
-          <a:fillRef idx="1">
-            <a:schemeClr val="accent1"/>
-          </a:fillRef>
-          <a:effectRef idx="0">
-            <a:schemeClr val="accent1"/>
-          </a:effectRef>
-          <a:fontRef idx="minor">
-            <a:schemeClr val="lt1"/>
-          </a:fontRef>
-        </p:style>
-        <p:txBody>
-          <a:bodyPr rtlCol="0" anchor="ctr"/>
-          <a:lstStyle/>
-          <a:p>
-            <a:pPr algn="ctr"/>
-            <a:endParaRPr lang="ko-KR" altLang="en-US"/>
-          </a:p>
-        </p:txBody>
-      </p:sp>
-      <p:sp>
-        <p:nvSpPr>
-          <p:cNvPr id="12" name="별: 꼭짓점 5개 11">
-            <a:extLst>
-              <a:ext uri="{FF2B5EF4-FFF2-40B4-BE49-F238E27FC236}">
-                <a16:creationId xmlns:a16="http://schemas.microsoft.com/office/drawing/2014/main" id="{2BDE7097-2436-2E20-1EDE-EF22F2DACB71}"/>
-              </a:ext>
-            </a:extLst>
-          </p:cNvPr>
-          <p:cNvSpPr/>
-          <p:nvPr/>
-        </p:nvSpPr>
-        <p:spPr>
-          <a:xfrm>
-            <a:off x="4448517" y="851782"/>
-            <a:ext cx="289068" cy="289068"/>
-          </a:xfrm>
-          <a:prstGeom prst="star5">
-            <a:avLst/>
-          </a:prstGeom>
-          <a:solidFill>
-            <a:srgbClr val="FFFF00"/>
-          </a:solidFill>
-          <a:ln w="19050">
-            <a:solidFill>
-              <a:schemeClr val="tx1"/>
-            </a:solidFill>
-          </a:ln>
-        </p:spPr>
-        <p:style>
-          <a:lnRef idx="2">
-            <a:schemeClr val="accent1">
-              <a:shade val="15000"/>
-            </a:schemeClr>
-          </a:lnRef>
-          <a:fillRef idx="1">
-            <a:schemeClr val="accent1"/>
-          </a:fillRef>
-          <a:effectRef idx="0">
-            <a:schemeClr val="accent1"/>
-          </a:effectRef>
-          <a:fontRef idx="minor">
-            <a:schemeClr val="lt1"/>
-          </a:fontRef>
-        </p:style>
-        <p:txBody>
-          <a:bodyPr rtlCol="0" anchor="ctr"/>
-          <a:lstStyle/>
-          <a:p>
-            <a:pPr algn="ctr"/>
-            <a:endParaRPr lang="ko-KR" altLang="en-US"/>
-          </a:p>
-        </p:txBody>
-      </p:sp>
-      <p:sp>
-        <p:nvSpPr>
-          <p:cNvPr id="13" name="별: 꼭짓점 5개 12">
-            <a:extLst>
-              <a:ext uri="{FF2B5EF4-FFF2-40B4-BE49-F238E27FC236}">
-                <a16:creationId xmlns:a16="http://schemas.microsoft.com/office/drawing/2014/main" id="{0C073AA9-8CB0-09DF-1649-2563014A8BB2}"/>
-              </a:ext>
-            </a:extLst>
-          </p:cNvPr>
-          <p:cNvSpPr/>
-          <p:nvPr/>
-        </p:nvSpPr>
-        <p:spPr>
-          <a:xfrm>
-            <a:off x="4783973" y="851782"/>
-            <a:ext cx="289068" cy="289068"/>
-          </a:xfrm>
-          <a:prstGeom prst="star5">
-            <a:avLst/>
-          </a:prstGeom>
-          <a:solidFill>
-            <a:srgbClr val="FFFF00"/>
-          </a:solidFill>
-          <a:ln w="19050">
-            <a:solidFill>
-              <a:schemeClr val="tx1"/>
-            </a:solidFill>
-          </a:ln>
-        </p:spPr>
-        <p:style>
-          <a:lnRef idx="2">
-            <a:schemeClr val="accent1">
-              <a:shade val="15000"/>
-            </a:schemeClr>
-          </a:lnRef>
-          <a:fillRef idx="1">
-            <a:schemeClr val="accent1"/>
-          </a:fillRef>
-          <a:effectRef idx="0">
-            <a:schemeClr val="accent1"/>
-          </a:effectRef>
-          <a:fontRef idx="minor">
-            <a:schemeClr val="lt1"/>
-          </a:fontRef>
-        </p:style>
-        <p:txBody>
-          <a:bodyPr rtlCol="0" anchor="ctr"/>
-          <a:lstStyle/>
-          <a:p>
-            <a:pPr algn="ctr"/>
-            <a:endParaRPr lang="ko-KR" altLang="en-US"/>
-          </a:p>
-        </p:txBody>
-      </p:sp>
-      <p:sp>
-        <p:nvSpPr>
-          <p:cNvPr id="14" name="별: 꼭짓점 5개 13">
-            <a:extLst>
-              <a:ext uri="{FF2B5EF4-FFF2-40B4-BE49-F238E27FC236}">
-                <a16:creationId xmlns:a16="http://schemas.microsoft.com/office/drawing/2014/main" id="{88FC6C7C-A4F2-67A9-5E0C-E7D43E64AA24}"/>
-              </a:ext>
-            </a:extLst>
-          </p:cNvPr>
-          <p:cNvSpPr/>
-          <p:nvPr/>
-        </p:nvSpPr>
-        <p:spPr>
-          <a:xfrm>
-            <a:off x="5106700" y="871521"/>
-            <a:ext cx="289068" cy="289068"/>
-          </a:xfrm>
-          <a:prstGeom prst="star5">
-            <a:avLst/>
-          </a:prstGeom>
-          <a:solidFill>
-            <a:srgbClr val="FFFF00"/>
-          </a:solidFill>
-          <a:ln w="19050">
-            <a:solidFill>
-              <a:schemeClr val="tx1"/>
-            </a:solidFill>
-          </a:ln>
-        </p:spPr>
-        <p:style>
-          <a:lnRef idx="2">
-            <a:schemeClr val="accent1">
-              <a:shade val="15000"/>
-            </a:schemeClr>
-          </a:lnRef>
-          <a:fillRef idx="1">
-            <a:schemeClr val="accent1"/>
-          </a:fillRef>
-          <a:effectRef idx="0">
-            <a:schemeClr val="accent1"/>
-          </a:effectRef>
-          <a:fontRef idx="minor">
-            <a:schemeClr val="lt1"/>
-          </a:fontRef>
-        </p:style>
-        <p:txBody>
-          <a:bodyPr rtlCol="0" anchor="ctr"/>
-          <a:lstStyle/>
-          <a:p>
-            <a:pPr algn="ctr"/>
-            <a:endParaRPr lang="ko-KR" altLang="en-US"/>
-          </a:p>
-        </p:txBody>
-      </p:sp>
-      <p:sp>
-        <p:nvSpPr>
-          <p:cNvPr id="15" name="별: 꼭짓점 5개 14">
-            <a:extLst>
-              <a:ext uri="{FF2B5EF4-FFF2-40B4-BE49-F238E27FC236}">
-                <a16:creationId xmlns:a16="http://schemas.microsoft.com/office/drawing/2014/main" id="{FF805313-6089-5504-8612-24C4A7D1118B}"/>
-              </a:ext>
-            </a:extLst>
-          </p:cNvPr>
-          <p:cNvSpPr/>
-          <p:nvPr/>
-        </p:nvSpPr>
-        <p:spPr>
-          <a:xfrm>
-            <a:off x="6058280" y="832043"/>
-            <a:ext cx="289068" cy="289068"/>
-          </a:xfrm>
-          <a:prstGeom prst="star5">
-            <a:avLst/>
-          </a:prstGeom>
-          <a:solidFill>
-            <a:srgbClr val="FFFF00"/>
-          </a:solidFill>
-          <a:ln w="19050">
-            <a:solidFill>
-              <a:schemeClr val="tx1"/>
-            </a:solidFill>
-          </a:ln>
-        </p:spPr>
-        <p:style>
-          <a:lnRef idx="2">
-            <a:schemeClr val="accent1">
-              <a:shade val="15000"/>
-            </a:schemeClr>
-          </a:lnRef>
-          <a:fillRef idx="1">
-            <a:schemeClr val="accent1"/>
-          </a:fillRef>
-          <a:effectRef idx="0">
-            <a:schemeClr val="accent1"/>
-          </a:effectRef>
-          <a:fontRef idx="minor">
-            <a:schemeClr val="lt1"/>
-          </a:fontRef>
-        </p:style>
-        <p:txBody>
-          <a:bodyPr rtlCol="0" anchor="ctr"/>
-          <a:lstStyle/>
-          <a:p>
-            <a:pPr algn="ctr"/>
-            <a:endParaRPr lang="ko-KR" altLang="en-US"/>
-          </a:p>
-        </p:txBody>
-      </p:sp>
-      <p:sp>
-        <p:nvSpPr>
-          <p:cNvPr id="19" name="별: 꼭짓점 5개 18">
-            <a:extLst>
-              <a:ext uri="{FF2B5EF4-FFF2-40B4-BE49-F238E27FC236}">
-                <a16:creationId xmlns:a16="http://schemas.microsoft.com/office/drawing/2014/main" id="{636B7BF1-D219-2594-9FF7-BAA1075B93F8}"/>
-              </a:ext>
-            </a:extLst>
-          </p:cNvPr>
-          <p:cNvSpPr/>
-          <p:nvPr/>
-        </p:nvSpPr>
-        <p:spPr>
-          <a:xfrm>
-            <a:off x="7003995" y="851782"/>
-            <a:ext cx="289068" cy="289068"/>
-          </a:xfrm>
-          <a:prstGeom prst="star5">
-            <a:avLst/>
-          </a:prstGeom>
-          <a:solidFill>
-            <a:srgbClr val="FFFF00"/>
-          </a:solidFill>
-          <a:ln w="19050">
-            <a:solidFill>
-              <a:schemeClr val="tx1"/>
-            </a:solidFill>
-          </a:ln>
-        </p:spPr>
-        <p:style>
-          <a:lnRef idx="2">
-            <a:schemeClr val="accent1">
-              <a:shade val="15000"/>
-            </a:schemeClr>
-          </a:lnRef>
-          <a:fillRef idx="1">
-            <a:schemeClr val="accent1"/>
-          </a:fillRef>
-          <a:effectRef idx="0">
-            <a:schemeClr val="accent1"/>
-          </a:effectRef>
-          <a:fontRef idx="minor">
-            <a:schemeClr val="lt1"/>
-          </a:fontRef>
-        </p:style>
-        <p:txBody>
-          <a:bodyPr rtlCol="0" anchor="ctr"/>
-          <a:lstStyle/>
-          <a:p>
-            <a:pPr algn="ctr"/>
-            <a:endParaRPr lang="ko-KR" altLang="en-US"/>
-          </a:p>
-        </p:txBody>
-      </p:sp>
-      <p:sp>
-        <p:nvSpPr>
-          <p:cNvPr id="21" name="별: 꼭짓점 5개 20">
-            <a:extLst>
-              <a:ext uri="{FF2B5EF4-FFF2-40B4-BE49-F238E27FC236}">
-                <a16:creationId xmlns:a16="http://schemas.microsoft.com/office/drawing/2014/main" id="{E7AE64F9-CD66-10F1-809F-2AA05BE5E16E}"/>
-              </a:ext>
-            </a:extLst>
-          </p:cNvPr>
-          <p:cNvSpPr/>
-          <p:nvPr/>
-        </p:nvSpPr>
-        <p:spPr>
-          <a:xfrm>
-            <a:off x="8233349" y="851782"/>
-            <a:ext cx="289068" cy="289068"/>
-          </a:xfrm>
-          <a:prstGeom prst="star5">
-            <a:avLst/>
-          </a:prstGeom>
-          <a:solidFill>
-            <a:srgbClr val="FF0000"/>
-          </a:solidFill>
-          <a:ln w="19050">
-            <a:solidFill>
-              <a:schemeClr val="tx1"/>
-            </a:solidFill>
-          </a:ln>
-        </p:spPr>
-        <p:style>
-          <a:lnRef idx="2">
-            <a:schemeClr val="accent1">
-              <a:shade val="15000"/>
-            </a:schemeClr>
-          </a:lnRef>
-          <a:fillRef idx="1">
-            <a:schemeClr val="accent1"/>
-          </a:fillRef>
-          <a:effectRef idx="0">
-            <a:schemeClr val="accent1"/>
-          </a:effectRef>
-          <a:fontRef idx="minor">
-            <a:schemeClr val="lt1"/>
-          </a:fontRef>
-        </p:style>
-        <p:txBody>
-          <a:bodyPr rtlCol="0" anchor="ctr"/>
-          <a:lstStyle/>
-          <a:p>
-            <a:pPr algn="ctr"/>
-            <a:endParaRPr lang="ko-KR" altLang="en-US"/>
-          </a:p>
-        </p:txBody>
-      </p:sp>
       <p:pic>
         <p:nvPicPr>
-          <p:cNvPr id="22" name="그림 21" descr="클립아트, 고양이, 일러스트레이션, 아동 미술이(가) 표시된 사진&#10;&#10;자동 생성된 설명">
-            <a:extLst>
-              <a:ext uri="{FF2B5EF4-FFF2-40B4-BE49-F238E27FC236}">
-                <a16:creationId xmlns:a16="http://schemas.microsoft.com/office/drawing/2014/main" id="{6206B244-317D-B5D9-984A-C50173168537}"/>
+          <p:cNvPr id="19" name="그림 18" descr="클립아트, 그래픽, 만화 영화, 그래픽 디자인이(가) 표시된 사진&#10;&#10;자동 생성된 설명">
+            <a:extLst>
+              <a:ext uri="{FF2B5EF4-FFF2-40B4-BE49-F238E27FC236}">
+                <a16:creationId xmlns:a16="http://schemas.microsoft.com/office/drawing/2014/main" id="{D09A63B2-FDDE-5317-8FCD-DCC3BE0BAF6F}"/>
               </a:ext>
             </a:extLst>
           </p:cNvPr>
           <p:cNvPicPr>
-            <a:picLocks/>
+            <a:picLocks noChangeAspect="1"/>
           </p:cNvPicPr>
           <p:nvPr/>
         </p:nvPicPr>
         <p:blipFill>
-          <a:blip r:embed="rId2"/>
+          <a:blip r:embed="rId8">
+            <a:extLst>
+              <a:ext uri="{28A0092B-C50C-407E-A947-70E740481C1C}">
+                <a14:useLocalDpi xmlns:a14="http://schemas.microsoft.com/office/drawing/2010/main" val="0"/>
+              </a:ext>
+            </a:extLst>
+          </a:blip>
           <a:stretch>
             <a:fillRect/>
           </a:stretch>
         </p:blipFill>
         <p:spPr>
           <a:xfrm>
-            <a:off x="7892497" y="3327421"/>
-            <a:ext cx="1259840" cy="1259840"/>
+            <a:off x="9890268" y="3429000"/>
+            <a:ext cx="1560579" cy="1560579"/>
           </a:xfrm>
           <a:prstGeom prst="rect">
             <a:avLst/>
           </a:prstGeom>
         </p:spPr>
       </p:pic>
-      <p:sp>
-        <p:nvSpPr>
-          <p:cNvPr id="23" name="별: 꼭짓점 5개 22">
-            <a:extLst>
-              <a:ext uri="{FF2B5EF4-FFF2-40B4-BE49-F238E27FC236}">
-                <a16:creationId xmlns:a16="http://schemas.microsoft.com/office/drawing/2014/main" id="{9E3C2395-4E87-589A-7E97-62D928D6B9D9}"/>
-              </a:ext>
-            </a:extLst>
-          </p:cNvPr>
-          <p:cNvSpPr/>
-          <p:nvPr/>
-        </p:nvSpPr>
-        <p:spPr>
-          <a:xfrm>
-            <a:off x="8377883" y="4218429"/>
-            <a:ext cx="289068" cy="289068"/>
-          </a:xfrm>
-          <a:prstGeom prst="star5">
-            <a:avLst/>
-          </a:prstGeom>
-          <a:solidFill>
-            <a:srgbClr val="FFFF00"/>
-          </a:solidFill>
-          <a:ln w="19050">
-            <a:solidFill>
-              <a:schemeClr val="tx1"/>
-            </a:solidFill>
-          </a:ln>
-        </p:spPr>
-        <p:style>
-          <a:lnRef idx="2">
-            <a:schemeClr val="accent1">
-              <a:shade val="15000"/>
-            </a:schemeClr>
-          </a:lnRef>
-          <a:fillRef idx="1">
-            <a:schemeClr val="accent1"/>
-          </a:fillRef>
-          <a:effectRef idx="0">
-            <a:schemeClr val="accent1"/>
-          </a:effectRef>
-          <a:fontRef idx="minor">
-            <a:schemeClr val="lt1"/>
-          </a:fontRef>
-        </p:style>
-        <p:txBody>
-          <a:bodyPr rtlCol="0" anchor="ctr"/>
-          <a:lstStyle/>
-          <a:p>
-            <a:pPr algn="ctr"/>
-            <a:endParaRPr lang="ko-KR" altLang="en-US"/>
-          </a:p>
-        </p:txBody>
-      </p:sp>
       <p:pic>
         <p:nvPicPr>
-          <p:cNvPr id="27" name="그림 26">
-            <a:extLst>
-              <a:ext uri="{FF2B5EF4-FFF2-40B4-BE49-F238E27FC236}">
-                <a16:creationId xmlns:a16="http://schemas.microsoft.com/office/drawing/2014/main" id="{D0C40282-AA8A-6DBC-1D8C-65F29EC41A2C}"/>
+          <p:cNvPr id="21" name="그림 20" descr="클립아트, 만화 영화, 그래픽, 그래픽 디자인이(가) 표시된 사진&#10;&#10;자동 생성된 설명">
+            <a:extLst>
+              <a:ext uri="{FF2B5EF4-FFF2-40B4-BE49-F238E27FC236}">
+                <a16:creationId xmlns:a16="http://schemas.microsoft.com/office/drawing/2014/main" id="{0457E7F0-8376-B86D-DF91-08E8FC155E57}"/>
               </a:ext>
             </a:extLst>
           </p:cNvPr>
@@ -4626,463 +5012,103 @@
           <p:nvPr/>
         </p:nvPicPr>
         <p:blipFill>
-          <a:blip r:embed="rId4"/>
+          <a:blip r:embed="rId9">
+            <a:extLst>
+              <a:ext uri="{28A0092B-C50C-407E-A947-70E740481C1C}">
+                <a14:useLocalDpi xmlns:a14="http://schemas.microsoft.com/office/drawing/2010/main" val="0"/>
+              </a:ext>
+            </a:extLst>
+          </a:blip>
           <a:stretch>
             <a:fillRect/>
           </a:stretch>
         </p:blipFill>
         <p:spPr>
           <a:xfrm>
-            <a:off x="5495962" y="3268761"/>
-            <a:ext cx="1365035" cy="1318500"/>
+            <a:off x="938019" y="3478408"/>
+            <a:ext cx="1560579" cy="1560579"/>
           </a:xfrm>
           <a:prstGeom prst="rect">
             <a:avLst/>
           </a:prstGeom>
         </p:spPr>
       </p:pic>
-      <p:sp>
-        <p:nvSpPr>
-          <p:cNvPr id="28" name="TextBox 27">
-            <a:extLst>
-              <a:ext uri="{FF2B5EF4-FFF2-40B4-BE49-F238E27FC236}">
-                <a16:creationId xmlns:a16="http://schemas.microsoft.com/office/drawing/2014/main" id="{B91EBF45-15A5-B72D-1D71-A2DF9DA67DCD}"/>
-              </a:ext>
-            </a:extLst>
-          </p:cNvPr>
-          <p:cNvSpPr txBox="1"/>
-          <p:nvPr/>
-        </p:nvSpPr>
-        <p:spPr>
-          <a:xfrm>
-            <a:off x="1878236" y="3515037"/>
-            <a:ext cx="3538148" cy="646331"/>
-          </a:xfrm>
-          <a:prstGeom prst="rect">
-            <a:avLst/>
-          </a:prstGeom>
-          <a:noFill/>
-        </p:spPr>
-        <p:txBody>
-          <a:bodyPr wrap="square" rtlCol="0">
-            <a:spAutoFit/>
-          </a:bodyPr>
-          <a:lstStyle/>
-          <a:p>
-            <a:r>
-              <a:rPr lang="ko-KR" altLang="en-US" dirty="0">
-                <a:solidFill>
-                  <a:srgbClr val="FF0000"/>
-                </a:solidFill>
-              </a:rPr>
-              <a:t>이런 느낌으로 별을 달고 싶은데 제가 하면 </a:t>
-            </a:r>
-            <a:r>
-              <a:rPr lang="ko-KR" altLang="en-US" dirty="0" err="1">
-                <a:solidFill>
-                  <a:srgbClr val="FF0000"/>
-                </a:solidFill>
-              </a:rPr>
-              <a:t>안이뻐요</a:t>
-            </a:r>
-            <a:r>
-              <a:rPr lang="ko-KR" altLang="en-US" dirty="0">
-                <a:solidFill>
-                  <a:srgbClr val="FF0000"/>
-                </a:solidFill>
-              </a:rPr>
-              <a:t> </a:t>
-            </a:r>
-            <a:r>
-              <a:rPr lang="en-US" altLang="ko-KR" dirty="0">
-                <a:solidFill>
-                  <a:srgbClr val="FF0000"/>
-                </a:solidFill>
-              </a:rPr>
-              <a:t>..</a:t>
-            </a:r>
-            <a:r>
-              <a:rPr lang="ko-KR" altLang="en-US" dirty="0">
-                <a:solidFill>
-                  <a:srgbClr val="FF0000"/>
-                </a:solidFill>
-              </a:rPr>
-              <a:t> </a:t>
-            </a:r>
-            <a:r>
-              <a:rPr lang="en-US" altLang="ko-KR" dirty="0">
-                <a:solidFill>
-                  <a:srgbClr val="FF0000"/>
-                </a:solidFill>
-              </a:rPr>
-              <a:t>-&gt;</a:t>
-            </a:r>
-            <a:endParaRPr lang="ko-KR" altLang="en-US" dirty="0">
-              <a:solidFill>
-                <a:srgbClr val="FF0000"/>
-              </a:solidFill>
-            </a:endParaRPr>
-          </a:p>
-        </p:txBody>
-      </p:sp>
       <p:pic>
         <p:nvPicPr>
-          <p:cNvPr id="29" name="그림 28" descr="클립아트, 고양이, 일러스트레이션, 아동 미술이(가) 표시된 사진&#10;&#10;자동 생성된 설명">
-            <a:extLst>
-              <a:ext uri="{FF2B5EF4-FFF2-40B4-BE49-F238E27FC236}">
-                <a16:creationId xmlns:a16="http://schemas.microsoft.com/office/drawing/2014/main" id="{67E99317-A90E-0272-A3C8-719405A6027F}"/>
+          <p:cNvPr id="23" name="그림 22" descr="만화 영화, 그래픽, 그래픽 디자인, 일러스트레이션이(가) 표시된 사진&#10;&#10;자동 생성된 설명">
+            <a:extLst>
+              <a:ext uri="{FF2B5EF4-FFF2-40B4-BE49-F238E27FC236}">
+                <a16:creationId xmlns:a16="http://schemas.microsoft.com/office/drawing/2014/main" id="{A4D5EC95-E159-0760-9614-66D2CE14617A}"/>
               </a:ext>
             </a:extLst>
           </p:cNvPr>
           <p:cNvPicPr>
-            <a:picLocks/>
+            <a:picLocks noChangeAspect="1"/>
           </p:cNvPicPr>
           <p:nvPr/>
         </p:nvPicPr>
         <p:blipFill>
-          <a:blip r:embed="rId2"/>
+          <a:blip r:embed="rId10">
+            <a:extLst>
+              <a:ext uri="{28A0092B-C50C-407E-A947-70E740481C1C}">
+                <a14:useLocalDpi xmlns:a14="http://schemas.microsoft.com/office/drawing/2010/main" val="0"/>
+              </a:ext>
+            </a:extLst>
+          </a:blip>
           <a:stretch>
             <a:fillRect/>
           </a:stretch>
         </p:blipFill>
         <p:spPr>
           <a:xfrm>
-            <a:off x="9751521" y="3298091"/>
-            <a:ext cx="1259840" cy="1259840"/>
+            <a:off x="3061286" y="3478408"/>
+            <a:ext cx="1560579" cy="1560579"/>
           </a:xfrm>
           <a:prstGeom prst="rect">
             <a:avLst/>
           </a:prstGeom>
         </p:spPr>
       </p:pic>
-      <p:sp>
-        <p:nvSpPr>
-          <p:cNvPr id="16" name="별: 꼭짓점 5개 15">
-            <a:extLst>
-              <a:ext uri="{FF2B5EF4-FFF2-40B4-BE49-F238E27FC236}">
-                <a16:creationId xmlns:a16="http://schemas.microsoft.com/office/drawing/2014/main" id="{A4F031AA-6388-1DB5-5DD3-7AF04F0F0CB2}"/>
-              </a:ext>
-            </a:extLst>
-          </p:cNvPr>
-          <p:cNvSpPr/>
-          <p:nvPr/>
-        </p:nvSpPr>
-        <p:spPr>
-          <a:xfrm>
-            <a:off x="9866519" y="3327421"/>
-            <a:ext cx="289068" cy="289068"/>
-          </a:xfrm>
-          <a:prstGeom prst="star5">
-            <a:avLst/>
-          </a:prstGeom>
-          <a:solidFill>
-            <a:srgbClr val="FFFF00"/>
-          </a:solidFill>
-          <a:ln w="19050">
-            <a:solidFill>
-              <a:schemeClr val="tx1"/>
-            </a:solidFill>
-          </a:ln>
-        </p:spPr>
-        <p:style>
-          <a:lnRef idx="2">
-            <a:schemeClr val="accent1">
-              <a:shade val="15000"/>
-            </a:schemeClr>
-          </a:lnRef>
-          <a:fillRef idx="1">
-            <a:schemeClr val="accent1"/>
-          </a:fillRef>
-          <a:effectRef idx="0">
-            <a:schemeClr val="accent1"/>
-          </a:effectRef>
-          <a:fontRef idx="minor">
-            <a:schemeClr val="lt1"/>
-          </a:fontRef>
-        </p:style>
-        <p:txBody>
-          <a:bodyPr rtlCol="0" anchor="ctr"/>
-          <a:lstStyle/>
-          <a:p>
-            <a:pPr algn="ctr"/>
-            <a:endParaRPr lang="ko-KR" altLang="en-US"/>
-          </a:p>
-        </p:txBody>
-      </p:sp>
-      <p:sp>
-        <p:nvSpPr>
-          <p:cNvPr id="17" name="별: 꼭짓점 5개 16">
-            <a:extLst>
-              <a:ext uri="{FF2B5EF4-FFF2-40B4-BE49-F238E27FC236}">
-                <a16:creationId xmlns:a16="http://schemas.microsoft.com/office/drawing/2014/main" id="{B334BB03-78FE-1E1F-75C5-7D44F1B58CE8}"/>
-              </a:ext>
-            </a:extLst>
-          </p:cNvPr>
-          <p:cNvSpPr/>
-          <p:nvPr/>
-        </p:nvSpPr>
-        <p:spPr>
-          <a:xfrm>
-            <a:off x="10638487" y="3327421"/>
-            <a:ext cx="289068" cy="289068"/>
-          </a:xfrm>
-          <a:prstGeom prst="star5">
-            <a:avLst/>
-          </a:prstGeom>
-          <a:solidFill>
-            <a:srgbClr val="FFFF00"/>
-          </a:solidFill>
-          <a:ln w="19050">
-            <a:solidFill>
-              <a:schemeClr val="tx1"/>
-            </a:solidFill>
-          </a:ln>
-        </p:spPr>
-        <p:style>
-          <a:lnRef idx="2">
-            <a:schemeClr val="accent1">
-              <a:shade val="15000"/>
-            </a:schemeClr>
-          </a:lnRef>
-          <a:fillRef idx="1">
-            <a:schemeClr val="accent1"/>
-          </a:fillRef>
-          <a:effectRef idx="0">
-            <a:schemeClr val="accent1"/>
-          </a:effectRef>
-          <a:fontRef idx="minor">
-            <a:schemeClr val="lt1"/>
-          </a:fontRef>
-        </p:style>
-        <p:txBody>
-          <a:bodyPr rtlCol="0" anchor="ctr"/>
-          <a:lstStyle/>
-          <a:p>
-            <a:pPr algn="ctr"/>
-            <a:endParaRPr lang="ko-KR" altLang="en-US"/>
-          </a:p>
-        </p:txBody>
-      </p:sp>
-      <p:sp>
-        <p:nvSpPr>
-          <p:cNvPr id="30" name="별: 꼭짓점 5개 29">
-            <a:extLst>
-              <a:ext uri="{FF2B5EF4-FFF2-40B4-BE49-F238E27FC236}">
-                <a16:creationId xmlns:a16="http://schemas.microsoft.com/office/drawing/2014/main" id="{4DAD105E-ED4A-FE49-2D07-C19879E0E878}"/>
-              </a:ext>
-            </a:extLst>
-          </p:cNvPr>
-          <p:cNvSpPr/>
-          <p:nvPr/>
-        </p:nvSpPr>
-        <p:spPr>
-          <a:xfrm>
-            <a:off x="9894769" y="4161368"/>
-            <a:ext cx="289068" cy="289068"/>
-          </a:xfrm>
-          <a:prstGeom prst="star5">
-            <a:avLst/>
-          </a:prstGeom>
-          <a:solidFill>
-            <a:srgbClr val="FFFF00"/>
-          </a:solidFill>
-          <a:ln w="19050">
-            <a:solidFill>
-              <a:schemeClr val="tx1"/>
-            </a:solidFill>
-          </a:ln>
-        </p:spPr>
-        <p:style>
-          <a:lnRef idx="2">
-            <a:schemeClr val="accent1">
-              <a:shade val="15000"/>
-            </a:schemeClr>
-          </a:lnRef>
-          <a:fillRef idx="1">
-            <a:schemeClr val="accent1"/>
-          </a:fillRef>
-          <a:effectRef idx="0">
-            <a:schemeClr val="accent1"/>
-          </a:effectRef>
-          <a:fontRef idx="minor">
-            <a:schemeClr val="lt1"/>
-          </a:fontRef>
-        </p:style>
-        <p:txBody>
-          <a:bodyPr rtlCol="0" anchor="ctr"/>
-          <a:lstStyle/>
-          <a:p>
-            <a:pPr algn="ctr"/>
-            <a:endParaRPr lang="ko-KR" altLang="en-US"/>
-          </a:p>
-        </p:txBody>
-      </p:sp>
-      <p:sp>
-        <p:nvSpPr>
-          <p:cNvPr id="31" name="별: 꼭짓점 5개 30">
-            <a:extLst>
-              <a:ext uri="{FF2B5EF4-FFF2-40B4-BE49-F238E27FC236}">
-                <a16:creationId xmlns:a16="http://schemas.microsoft.com/office/drawing/2014/main" id="{DD406E43-C1BD-4CF4-8E9C-F5468892868F}"/>
-              </a:ext>
-            </a:extLst>
-          </p:cNvPr>
-          <p:cNvSpPr/>
-          <p:nvPr/>
-        </p:nvSpPr>
-        <p:spPr>
-          <a:xfrm>
-            <a:off x="10638487" y="4161368"/>
-            <a:ext cx="289068" cy="289068"/>
-          </a:xfrm>
-          <a:prstGeom prst="star5">
-            <a:avLst/>
-          </a:prstGeom>
-          <a:solidFill>
-            <a:srgbClr val="FFFF00"/>
-          </a:solidFill>
-          <a:ln w="19050">
-            <a:solidFill>
-              <a:schemeClr val="tx1"/>
-            </a:solidFill>
-          </a:ln>
-        </p:spPr>
-        <p:style>
-          <a:lnRef idx="2">
-            <a:schemeClr val="accent1">
-              <a:shade val="15000"/>
-            </a:schemeClr>
-          </a:lnRef>
-          <a:fillRef idx="1">
-            <a:schemeClr val="accent1"/>
-          </a:fillRef>
-          <a:effectRef idx="0">
-            <a:schemeClr val="accent1"/>
-          </a:effectRef>
-          <a:fontRef idx="minor">
-            <a:schemeClr val="lt1"/>
-          </a:fontRef>
-        </p:style>
-        <p:txBody>
-          <a:bodyPr rtlCol="0" anchor="ctr"/>
-          <a:lstStyle/>
-          <a:p>
-            <a:pPr algn="ctr"/>
-            <a:endParaRPr lang="ko-KR" altLang="en-US"/>
-          </a:p>
-        </p:txBody>
-      </p:sp>
-      <p:sp>
-        <p:nvSpPr>
-          <p:cNvPr id="34" name="별: 꼭짓점 5개 33">
-            <a:extLst>
-              <a:ext uri="{FF2B5EF4-FFF2-40B4-BE49-F238E27FC236}">
-                <a16:creationId xmlns:a16="http://schemas.microsoft.com/office/drawing/2014/main" id="{8E6FF174-AD1F-1CAF-B147-1F40F40810BC}"/>
-              </a:ext>
-            </a:extLst>
-          </p:cNvPr>
-          <p:cNvSpPr/>
-          <p:nvPr/>
-        </p:nvSpPr>
-        <p:spPr>
-          <a:xfrm>
-            <a:off x="6371435" y="841912"/>
-            <a:ext cx="289068" cy="289068"/>
-          </a:xfrm>
-          <a:prstGeom prst="star5">
-            <a:avLst/>
-          </a:prstGeom>
-          <a:solidFill>
-            <a:srgbClr val="FFFF00"/>
-          </a:solidFill>
-          <a:ln w="19050">
-            <a:solidFill>
-              <a:schemeClr val="tx1"/>
-            </a:solidFill>
-          </a:ln>
-        </p:spPr>
-        <p:style>
-          <a:lnRef idx="2">
-            <a:schemeClr val="accent1">
-              <a:shade val="15000"/>
-            </a:schemeClr>
-          </a:lnRef>
-          <a:fillRef idx="1">
-            <a:schemeClr val="accent1"/>
-          </a:fillRef>
-          <a:effectRef idx="0">
-            <a:schemeClr val="accent1"/>
-          </a:effectRef>
-          <a:fontRef idx="minor">
-            <a:schemeClr val="lt1"/>
-          </a:fontRef>
-        </p:style>
-        <p:txBody>
-          <a:bodyPr rtlCol="0" anchor="ctr"/>
-          <a:lstStyle/>
-          <a:p>
-            <a:pPr algn="ctr"/>
-            <a:endParaRPr lang="ko-KR" altLang="en-US"/>
-          </a:p>
-        </p:txBody>
-      </p:sp>
-      <p:sp>
-        <p:nvSpPr>
-          <p:cNvPr id="35" name="별: 꼭짓점 5개 34">
-            <a:extLst>
-              <a:ext uri="{FF2B5EF4-FFF2-40B4-BE49-F238E27FC236}">
-                <a16:creationId xmlns:a16="http://schemas.microsoft.com/office/drawing/2014/main" id="{922BF00A-6B85-A107-5AD4-934206CD25E4}"/>
-              </a:ext>
-            </a:extLst>
-          </p:cNvPr>
-          <p:cNvSpPr/>
-          <p:nvPr/>
-        </p:nvSpPr>
-        <p:spPr>
-          <a:xfrm>
-            <a:off x="6694162" y="861651"/>
-            <a:ext cx="289068" cy="289068"/>
-          </a:xfrm>
-          <a:prstGeom prst="star5">
-            <a:avLst/>
-          </a:prstGeom>
-          <a:solidFill>
-            <a:srgbClr val="FFFF00"/>
-          </a:solidFill>
-          <a:ln w="19050">
-            <a:solidFill>
-              <a:schemeClr val="tx1"/>
-            </a:solidFill>
-          </a:ln>
-        </p:spPr>
-        <p:style>
-          <a:lnRef idx="2">
-            <a:schemeClr val="accent1">
-              <a:shade val="15000"/>
-            </a:schemeClr>
-          </a:lnRef>
-          <a:fillRef idx="1">
-            <a:schemeClr val="accent1"/>
-          </a:fillRef>
-          <a:effectRef idx="0">
-            <a:schemeClr val="accent1"/>
-          </a:effectRef>
-          <a:fontRef idx="minor">
-            <a:schemeClr val="lt1"/>
-          </a:fontRef>
-        </p:style>
-        <p:txBody>
-          <a:bodyPr rtlCol="0" anchor="ctr"/>
-          <a:lstStyle/>
-          <a:p>
-            <a:pPr algn="ctr"/>
-            <a:endParaRPr lang="ko-KR" altLang="en-US"/>
-          </a:p>
-        </p:txBody>
-      </p:sp>
+      <p:pic>
+        <p:nvPicPr>
+          <p:cNvPr id="25" name="그림 24" descr="만화 영화, 그래픽, 그래픽 디자인, 일러스트레이션이(가) 표시된 사진&#10;&#10;자동 생성된 설명">
+            <a:extLst>
+              <a:ext uri="{FF2B5EF4-FFF2-40B4-BE49-F238E27FC236}">
+                <a16:creationId xmlns:a16="http://schemas.microsoft.com/office/drawing/2014/main" id="{3A6DE4A2-F7AB-A149-D258-DE0A8A8914D3}"/>
+              </a:ext>
+            </a:extLst>
+          </p:cNvPr>
+          <p:cNvPicPr>
+            <a:picLocks noChangeAspect="1"/>
+          </p:cNvPicPr>
+          <p:nvPr/>
+        </p:nvPicPr>
+        <p:blipFill>
+          <a:blip r:embed="rId11">
+            <a:extLst>
+              <a:ext uri="{28A0092B-C50C-407E-A947-70E740481C1C}">
+                <a14:useLocalDpi xmlns:a14="http://schemas.microsoft.com/office/drawing/2010/main" val="0"/>
+              </a:ext>
+            </a:extLst>
+          </a:blip>
+          <a:stretch>
+            <a:fillRect/>
+          </a:stretch>
+        </p:blipFill>
+        <p:spPr>
+          <a:xfrm>
+            <a:off x="5315710" y="3478408"/>
+            <a:ext cx="1560579" cy="1560579"/>
+          </a:xfrm>
+          <a:prstGeom prst="rect">
+            <a:avLst/>
+          </a:prstGeom>
+        </p:spPr>
+      </p:pic>
     </p:spTree>
     <p:extLst>
       <p:ext uri="{BB962C8B-B14F-4D97-AF65-F5344CB8AC3E}">
-        <p14:creationId xmlns:p14="http://schemas.microsoft.com/office/powerpoint/2010/main" val="1747630974"/>
+        <p14:creationId xmlns:p14="http://schemas.microsoft.com/office/powerpoint/2010/main" val="3146860559"/>
       </p:ext>
     </p:extLst>
   </p:cSld>
@@ -5123,8 +5149,8 @@
         </p:nvSpPr>
         <p:spPr>
           <a:xfrm>
-            <a:off x="3587578" y="2533135"/>
-            <a:ext cx="3538148" cy="369332"/>
+            <a:off x="4195768" y="2488747"/>
+            <a:ext cx="3850734" cy="369332"/>
           </a:xfrm>
           <a:prstGeom prst="rect">
             <a:avLst/>
@@ -5138,12 +5164,12 @@
           <a:lstStyle/>
           <a:p>
             <a:r>
-              <a:rPr lang="ko-KR" altLang="en-US" dirty="0" err="1"/>
-              <a:t>불속성</a:t>
+              <a:rPr lang="ko-KR" altLang="en-US"/>
+              <a:t>얼음 속성 </a:t>
             </a:r>
             <a:r>
               <a:rPr lang="ko-KR" altLang="en-US" dirty="0"/>
-              <a:t> 동물 </a:t>
+              <a:t>동물 </a:t>
             </a:r>
             <a:r>
               <a:rPr lang="en-US" altLang="ko-KR" dirty="0"/>
@@ -5170,7 +5196,7 @@
         </p:nvSpPr>
         <p:spPr>
           <a:xfrm>
-            <a:off x="3274992" y="5420329"/>
+            <a:off x="4170632" y="5375834"/>
             <a:ext cx="3850734" cy="369332"/>
           </a:xfrm>
           <a:prstGeom prst="rect">
@@ -5186,7 +5212,7 @@
           <a:p>
             <a:r>
               <a:rPr lang="ko-KR" altLang="en-US"/>
-              <a:t>바람 속성 동물 </a:t>
+              <a:t>전기 속성 동물 </a:t>
             </a:r>
             <a:r>
               <a:rPr lang="en-US" altLang="ko-KR"/>
@@ -5240,28 +5266,34 @@
       </p:sp>
       <p:pic>
         <p:nvPicPr>
-          <p:cNvPr id="2" name="그림 1" descr="클립아트, 고양이, 일러스트레이션, 아동 미술이(가) 표시된 사진&#10;&#10;자동 생성된 설명">
-            <a:extLst>
-              <a:ext uri="{FF2B5EF4-FFF2-40B4-BE49-F238E27FC236}">
-                <a16:creationId xmlns:a16="http://schemas.microsoft.com/office/drawing/2014/main" id="{E7F0335E-5941-A93D-691C-55DD08D5AA00}"/>
+          <p:cNvPr id="3" name="그림 2" descr="만화 영화, 스크린샷, 클립아트, 일러스트레이션이(가) 표시된 사진&#10;&#10;자동 생성된 설명">
+            <a:extLst>
+              <a:ext uri="{FF2B5EF4-FFF2-40B4-BE49-F238E27FC236}">
+                <a16:creationId xmlns:a16="http://schemas.microsoft.com/office/drawing/2014/main" id="{E5B85155-6DF3-64ED-12EA-0264773B681C}"/>
               </a:ext>
             </a:extLst>
           </p:cNvPr>
           <p:cNvPicPr>
-            <a:picLocks/>
+            <a:picLocks noChangeAspect="1"/>
           </p:cNvPicPr>
           <p:nvPr/>
         </p:nvPicPr>
         <p:blipFill>
-          <a:blip r:embed="rId2"/>
+          <a:blip r:embed="rId2">
+            <a:extLst>
+              <a:ext uri="{28A0092B-C50C-407E-A947-70E740481C1C}">
+                <a14:useLocalDpi xmlns:a14="http://schemas.microsoft.com/office/drawing/2010/main" val="0"/>
+              </a:ext>
+            </a:extLst>
+          </a:blip>
           <a:stretch>
             <a:fillRect/>
           </a:stretch>
         </p:blipFill>
         <p:spPr>
           <a:xfrm>
-            <a:off x="822803" y="811570"/>
-            <a:ext cx="1259840" cy="1259840"/>
+            <a:off x="9890268" y="591320"/>
+            <a:ext cx="1560579" cy="1560579"/>
           </a:xfrm>
           <a:prstGeom prst="rect">
             <a:avLst/>
@@ -5270,98 +5302,332 @@
       </p:pic>
       <p:pic>
         <p:nvPicPr>
-          <p:cNvPr id="3" name="그림 2" descr="클립아트, 만화 영화, 그래픽, 일러스트레이션이(가) 표시된 사진&#10;&#10;자동 생성된 설명">
-            <a:extLst>
-              <a:ext uri="{FF2B5EF4-FFF2-40B4-BE49-F238E27FC236}">
-                <a16:creationId xmlns:a16="http://schemas.microsoft.com/office/drawing/2014/main" id="{AA9567FB-7930-8A4A-E414-8FD4958E3E62}"/>
+          <p:cNvPr id="6" name="그림 5" descr="클립아트, 만화 영화, 고양이, 스마일리이(가) 표시된 사진&#10;&#10;자동 생성된 설명">
+            <a:extLst>
+              <a:ext uri="{FF2B5EF4-FFF2-40B4-BE49-F238E27FC236}">
+                <a16:creationId xmlns:a16="http://schemas.microsoft.com/office/drawing/2014/main" id="{4B055329-C57D-1782-009B-9E10C1AF4FB4}"/>
               </a:ext>
             </a:extLst>
           </p:cNvPr>
           <p:cNvPicPr>
-            <a:picLocks/>
+            <a:picLocks noChangeAspect="1"/>
           </p:cNvPicPr>
           <p:nvPr/>
         </p:nvPicPr>
         <p:blipFill>
-          <a:blip r:embed="rId3"/>
+          <a:blip r:embed="rId3">
+            <a:extLst>
+              <a:ext uri="{28A0092B-C50C-407E-A947-70E740481C1C}">
+                <a14:useLocalDpi xmlns:a14="http://schemas.microsoft.com/office/drawing/2010/main" val="0"/>
+              </a:ext>
+            </a:extLst>
+          </a:blip>
           <a:stretch>
             <a:fillRect/>
           </a:stretch>
         </p:blipFill>
         <p:spPr>
           <a:xfrm>
-            <a:off x="822803" y="3694943"/>
-            <a:ext cx="1259840" cy="1259840"/>
+            <a:off x="845310" y="591320"/>
+            <a:ext cx="1560579" cy="1560579"/>
           </a:xfrm>
           <a:prstGeom prst="rect">
             <a:avLst/>
           </a:prstGeom>
         </p:spPr>
       </p:pic>
-      <p:sp>
-        <p:nvSpPr>
-          <p:cNvPr id="8" name="TextBox 7">
-            <a:extLst>
-              <a:ext uri="{FF2B5EF4-FFF2-40B4-BE49-F238E27FC236}">
-                <a16:creationId xmlns:a16="http://schemas.microsoft.com/office/drawing/2014/main" id="{4F63B713-3CD5-F30E-55CF-1696F0D78505}"/>
-              </a:ext>
-            </a:extLst>
-          </p:cNvPr>
-          <p:cNvSpPr txBox="1"/>
-          <p:nvPr/>
-        </p:nvSpPr>
-        <p:spPr>
-          <a:xfrm>
-            <a:off x="3765802" y="811570"/>
-            <a:ext cx="8595623" cy="923330"/>
-          </a:xfrm>
-          <a:prstGeom prst="rect">
-            <a:avLst/>
-          </a:prstGeom>
-          <a:noFill/>
-        </p:spPr>
-        <p:txBody>
-          <a:bodyPr wrap="none" rtlCol="0">
-            <a:spAutoFit/>
-          </a:bodyPr>
-          <a:lstStyle/>
-          <a:p>
-            <a:r>
-              <a:rPr lang="en-US" altLang="ko-KR" sz="5400">
-                <a:solidFill>
-                  <a:srgbClr val="FF0000"/>
-                </a:solidFill>
-              </a:rPr>
-              <a:t>2,3,4,5 </a:t>
-            </a:r>
-            <a:r>
-              <a:rPr lang="ko-KR" altLang="en-US" sz="5400">
-                <a:solidFill>
-                  <a:srgbClr val="FF0000"/>
-                </a:solidFill>
-              </a:rPr>
-              <a:t>단계별로 수정예정</a:t>
-            </a:r>
-            <a:r>
-              <a:rPr lang="en-US" altLang="ko-KR" sz="5400">
-                <a:solidFill>
-                  <a:srgbClr val="FF0000"/>
-                </a:solidFill>
-              </a:rPr>
-              <a:t>!!</a:t>
-            </a:r>
-            <a:endParaRPr lang="ko-KR" altLang="en-US" sz="5400">
-              <a:solidFill>
-                <a:srgbClr val="FF0000"/>
-              </a:solidFill>
-            </a:endParaRPr>
-          </a:p>
-        </p:txBody>
-      </p:sp>
+      <p:pic>
+        <p:nvPicPr>
+          <p:cNvPr id="9" name="그림 8" descr="클립아트, 만화 영화, 스마일리, 이모티콘이(가) 표시된 사진&#10;&#10;자동 생성된 설명">
+            <a:extLst>
+              <a:ext uri="{FF2B5EF4-FFF2-40B4-BE49-F238E27FC236}">
+                <a16:creationId xmlns:a16="http://schemas.microsoft.com/office/drawing/2014/main" id="{04784935-A328-4708-630D-306B9476676A}"/>
+              </a:ext>
+            </a:extLst>
+          </p:cNvPr>
+          <p:cNvPicPr>
+            <a:picLocks noChangeAspect="1"/>
+          </p:cNvPicPr>
+          <p:nvPr/>
+        </p:nvPicPr>
+        <p:blipFill>
+          <a:blip r:embed="rId4">
+            <a:extLst>
+              <a:ext uri="{28A0092B-C50C-407E-A947-70E740481C1C}">
+                <a14:useLocalDpi xmlns:a14="http://schemas.microsoft.com/office/drawing/2010/main" val="0"/>
+              </a:ext>
+            </a:extLst>
+          </a:blip>
+          <a:stretch>
+            <a:fillRect/>
+          </a:stretch>
+        </p:blipFill>
+        <p:spPr>
+          <a:xfrm>
+            <a:off x="3061285" y="618003"/>
+            <a:ext cx="1560579" cy="1560579"/>
+          </a:xfrm>
+          <a:prstGeom prst="rect">
+            <a:avLst/>
+          </a:prstGeom>
+        </p:spPr>
+      </p:pic>
+      <p:pic>
+        <p:nvPicPr>
+          <p:cNvPr id="13" name="그림 12" descr="클립아트, 만화 영화이(가) 표시된 사진&#10;&#10;자동 생성된 설명">
+            <a:extLst>
+              <a:ext uri="{FF2B5EF4-FFF2-40B4-BE49-F238E27FC236}">
+                <a16:creationId xmlns:a16="http://schemas.microsoft.com/office/drawing/2014/main" id="{BE7F64C3-3EFA-623F-A298-46D6CB764E6D}"/>
+              </a:ext>
+            </a:extLst>
+          </p:cNvPr>
+          <p:cNvPicPr>
+            <a:picLocks noChangeAspect="1"/>
+          </p:cNvPicPr>
+          <p:nvPr/>
+        </p:nvPicPr>
+        <p:blipFill>
+          <a:blip r:embed="rId5">
+            <a:extLst>
+              <a:ext uri="{28A0092B-C50C-407E-A947-70E740481C1C}">
+                <a14:useLocalDpi xmlns:a14="http://schemas.microsoft.com/office/drawing/2010/main" val="0"/>
+              </a:ext>
+            </a:extLst>
+          </a:blip>
+          <a:stretch>
+            <a:fillRect/>
+          </a:stretch>
+        </p:blipFill>
+        <p:spPr>
+          <a:xfrm>
+            <a:off x="5269725" y="591319"/>
+            <a:ext cx="1560579" cy="1560579"/>
+          </a:xfrm>
+          <a:prstGeom prst="rect">
+            <a:avLst/>
+          </a:prstGeom>
+        </p:spPr>
+      </p:pic>
+      <p:pic>
+        <p:nvPicPr>
+          <p:cNvPr id="17" name="그림 16" descr="만화 영화, 스마일리, 이모티콘, 클립아트이(가) 표시된 사진&#10;&#10;자동 생성된 설명">
+            <a:extLst>
+              <a:ext uri="{FF2B5EF4-FFF2-40B4-BE49-F238E27FC236}">
+                <a16:creationId xmlns:a16="http://schemas.microsoft.com/office/drawing/2014/main" id="{040C16D9-44BC-BB09-8AEA-79208E1C08D8}"/>
+              </a:ext>
+            </a:extLst>
+          </p:cNvPr>
+          <p:cNvPicPr>
+            <a:picLocks noChangeAspect="1"/>
+          </p:cNvPicPr>
+          <p:nvPr/>
+        </p:nvPicPr>
+        <p:blipFill>
+          <a:blip r:embed="rId6">
+            <a:extLst>
+              <a:ext uri="{28A0092B-C50C-407E-A947-70E740481C1C}">
+                <a14:useLocalDpi xmlns:a14="http://schemas.microsoft.com/office/drawing/2010/main" val="0"/>
+              </a:ext>
+            </a:extLst>
+          </a:blip>
+          <a:stretch>
+            <a:fillRect/>
+          </a:stretch>
+        </p:blipFill>
+        <p:spPr>
+          <a:xfrm>
+            <a:off x="7606612" y="618003"/>
+            <a:ext cx="1560579" cy="1560579"/>
+          </a:xfrm>
+          <a:prstGeom prst="rect">
+            <a:avLst/>
+          </a:prstGeom>
+        </p:spPr>
+      </p:pic>
+      <p:pic>
+        <p:nvPicPr>
+          <p:cNvPr id="22" name="그림 21" descr="일러스트레이션, 고양이, 만화 영화, 예술이(가) 표시된 사진&#10;&#10;자동 생성된 설명">
+            <a:extLst>
+              <a:ext uri="{FF2B5EF4-FFF2-40B4-BE49-F238E27FC236}">
+                <a16:creationId xmlns:a16="http://schemas.microsoft.com/office/drawing/2014/main" id="{731F872F-36F5-99F2-E941-B4559621FB42}"/>
+              </a:ext>
+            </a:extLst>
+          </p:cNvPr>
+          <p:cNvPicPr>
+            <a:picLocks noChangeAspect="1"/>
+          </p:cNvPicPr>
+          <p:nvPr/>
+        </p:nvPicPr>
+        <p:blipFill>
+          <a:blip r:embed="rId7">
+            <a:extLst>
+              <a:ext uri="{28A0092B-C50C-407E-A947-70E740481C1C}">
+                <a14:useLocalDpi xmlns:a14="http://schemas.microsoft.com/office/drawing/2010/main" val="0"/>
+              </a:ext>
+            </a:extLst>
+          </a:blip>
+          <a:stretch>
+            <a:fillRect/>
+          </a:stretch>
+        </p:blipFill>
+        <p:spPr>
+          <a:xfrm>
+            <a:off x="7577268" y="3457853"/>
+            <a:ext cx="1560579" cy="1560579"/>
+          </a:xfrm>
+          <a:prstGeom prst="rect">
+            <a:avLst/>
+          </a:prstGeom>
+        </p:spPr>
+      </p:pic>
+      <p:pic>
+        <p:nvPicPr>
+          <p:cNvPr id="26" name="그림 25" descr="만화 영화, 일러스트레이션, 클립아트, 예술이(가) 표시된 사진&#10;&#10;자동 생성된 설명">
+            <a:extLst>
+              <a:ext uri="{FF2B5EF4-FFF2-40B4-BE49-F238E27FC236}">
+                <a16:creationId xmlns:a16="http://schemas.microsoft.com/office/drawing/2014/main" id="{99E6F5C1-06F0-070C-36ED-2ECD04E7E15E}"/>
+              </a:ext>
+            </a:extLst>
+          </p:cNvPr>
+          <p:cNvPicPr>
+            <a:picLocks noChangeAspect="1"/>
+          </p:cNvPicPr>
+          <p:nvPr/>
+        </p:nvPicPr>
+        <p:blipFill>
+          <a:blip r:embed="rId8">
+            <a:extLst>
+              <a:ext uri="{28A0092B-C50C-407E-A947-70E740481C1C}">
+                <a14:useLocalDpi xmlns:a14="http://schemas.microsoft.com/office/drawing/2010/main" val="0"/>
+              </a:ext>
+            </a:extLst>
+          </a:blip>
+          <a:stretch>
+            <a:fillRect/>
+          </a:stretch>
+        </p:blipFill>
+        <p:spPr>
+          <a:xfrm>
+            <a:off x="9864603" y="3453701"/>
+            <a:ext cx="1560579" cy="1560579"/>
+          </a:xfrm>
+          <a:prstGeom prst="rect">
+            <a:avLst/>
+          </a:prstGeom>
+        </p:spPr>
+      </p:pic>
+      <p:pic>
+        <p:nvPicPr>
+          <p:cNvPr id="28" name="그림 27" descr="고양이, 클립아트, 만화 영화이(가) 표시된 사진&#10;&#10;자동 생성된 설명">
+            <a:extLst>
+              <a:ext uri="{FF2B5EF4-FFF2-40B4-BE49-F238E27FC236}">
+                <a16:creationId xmlns:a16="http://schemas.microsoft.com/office/drawing/2014/main" id="{173FB1D9-F949-F060-613A-F7D52E84C42F}"/>
+              </a:ext>
+            </a:extLst>
+          </p:cNvPr>
+          <p:cNvPicPr>
+            <a:picLocks noChangeAspect="1"/>
+          </p:cNvPicPr>
+          <p:nvPr/>
+        </p:nvPicPr>
+        <p:blipFill>
+          <a:blip r:embed="rId9">
+            <a:extLst>
+              <a:ext uri="{28A0092B-C50C-407E-A947-70E740481C1C}">
+                <a14:useLocalDpi xmlns:a14="http://schemas.microsoft.com/office/drawing/2010/main" val="0"/>
+              </a:ext>
+            </a:extLst>
+          </a:blip>
+          <a:stretch>
+            <a:fillRect/>
+          </a:stretch>
+        </p:blipFill>
+        <p:spPr>
+          <a:xfrm>
+            <a:off x="845310" y="3457889"/>
+            <a:ext cx="1560579" cy="1560579"/>
+          </a:xfrm>
+          <a:prstGeom prst="rect">
+            <a:avLst/>
+          </a:prstGeom>
+        </p:spPr>
+      </p:pic>
+      <p:pic>
+        <p:nvPicPr>
+          <p:cNvPr id="30" name="그림 29" descr="고양이, 일러스트레이션, 만화 영화, 클립아트이(가) 표시된 사진&#10;&#10;자동 생성된 설명">
+            <a:extLst>
+              <a:ext uri="{FF2B5EF4-FFF2-40B4-BE49-F238E27FC236}">
+                <a16:creationId xmlns:a16="http://schemas.microsoft.com/office/drawing/2014/main" id="{587009E8-B6AD-32A2-22FD-EDA5C8ACADD9}"/>
+              </a:ext>
+            </a:extLst>
+          </p:cNvPr>
+          <p:cNvPicPr>
+            <a:picLocks noChangeAspect="1"/>
+          </p:cNvPicPr>
+          <p:nvPr/>
+        </p:nvPicPr>
+        <p:blipFill>
+          <a:blip r:embed="rId10">
+            <a:extLst>
+              <a:ext uri="{28A0092B-C50C-407E-A947-70E740481C1C}">
+                <a14:useLocalDpi xmlns:a14="http://schemas.microsoft.com/office/drawing/2010/main" val="0"/>
+              </a:ext>
+            </a:extLst>
+          </a:blip>
+          <a:stretch>
+            <a:fillRect/>
+          </a:stretch>
+        </p:blipFill>
+        <p:spPr>
+          <a:xfrm>
+            <a:off x="3061284" y="3453702"/>
+            <a:ext cx="1560579" cy="1560579"/>
+          </a:xfrm>
+          <a:prstGeom prst="rect">
+            <a:avLst/>
+          </a:prstGeom>
+        </p:spPr>
+      </p:pic>
+      <p:pic>
+        <p:nvPicPr>
+          <p:cNvPr id="32" name="그림 31" descr="고양이, 만화 영화, 일러스트레이션, 클립아트이(가) 표시된 사진&#10;&#10;자동 생성된 설명">
+            <a:extLst>
+              <a:ext uri="{FF2B5EF4-FFF2-40B4-BE49-F238E27FC236}">
+                <a16:creationId xmlns:a16="http://schemas.microsoft.com/office/drawing/2014/main" id="{ABA4365A-9F90-5F62-DD24-E3628D8DB579}"/>
+              </a:ext>
+            </a:extLst>
+          </p:cNvPr>
+          <p:cNvPicPr>
+            <a:picLocks noChangeAspect="1"/>
+          </p:cNvPicPr>
+          <p:nvPr/>
+        </p:nvPicPr>
+        <p:blipFill>
+          <a:blip r:embed="rId11">
+            <a:extLst>
+              <a:ext uri="{28A0092B-C50C-407E-A947-70E740481C1C}">
+                <a14:useLocalDpi xmlns:a14="http://schemas.microsoft.com/office/drawing/2010/main" val="0"/>
+              </a:ext>
+            </a:extLst>
+          </a:blip>
+          <a:stretch>
+            <a:fillRect/>
+          </a:stretch>
+        </p:blipFill>
+        <p:spPr>
+          <a:xfrm>
+            <a:off x="5348619" y="3453701"/>
+            <a:ext cx="1560579" cy="1560579"/>
+          </a:xfrm>
+          <a:prstGeom prst="rect">
+            <a:avLst/>
+          </a:prstGeom>
+        </p:spPr>
+      </p:pic>
     </p:spTree>
     <p:extLst>
       <p:ext uri="{BB962C8B-B14F-4D97-AF65-F5344CB8AC3E}">
-        <p14:creationId xmlns:p14="http://schemas.microsoft.com/office/powerpoint/2010/main" val="3146860559"/>
+        <p14:creationId xmlns:p14="http://schemas.microsoft.com/office/powerpoint/2010/main" val="3818001104"/>
       </p:ext>
     </p:extLst>
   </p:cSld>
@@ -5393,7 +5659,7 @@
           <p:cNvPr id="33" name="TextBox 32">
             <a:extLst>
               <a:ext uri="{FF2B5EF4-FFF2-40B4-BE49-F238E27FC236}">
-                <a16:creationId xmlns:a16="http://schemas.microsoft.com/office/drawing/2014/main" id="{A381AD5C-0A79-CE35-199C-692C454B41C7}"/>
+                <a16:creationId xmlns:a16="http://schemas.microsoft.com/office/drawing/2014/main" id="{39B357F1-21E1-500E-1E0E-FAC3BF459D72}"/>
               </a:ext>
             </a:extLst>
           </p:cNvPr>
@@ -5402,7 +5668,7 @@
         </p:nvSpPr>
         <p:spPr>
           <a:xfrm>
-            <a:off x="3465170" y="2491203"/>
+            <a:off x="4224477" y="4512234"/>
             <a:ext cx="3850734" cy="369332"/>
           </a:xfrm>
           <a:prstGeom prst="rect">
@@ -5418,7 +5684,7 @@
           <a:p>
             <a:r>
               <a:rPr lang="ko-KR" altLang="en-US"/>
-              <a:t>얼음 속성 동물 </a:t>
+              <a:t>보스 속성 동물 </a:t>
             </a:r>
             <a:r>
               <a:rPr lang="en-US" altLang="ko-KR"/>
@@ -5433,10 +5699,10 @@
       </p:sp>
       <p:sp>
         <p:nvSpPr>
-          <p:cNvPr id="41" name="TextBox 40">
-            <a:extLst>
-              <a:ext uri="{FF2B5EF4-FFF2-40B4-BE49-F238E27FC236}">
-                <a16:creationId xmlns:a16="http://schemas.microsoft.com/office/drawing/2014/main" id="{EE055473-7ABD-E113-E1FE-6D8DE74ECCEC}"/>
+          <p:cNvPr id="58" name="TextBox 57">
+            <a:extLst>
+              <a:ext uri="{FF2B5EF4-FFF2-40B4-BE49-F238E27FC236}">
+                <a16:creationId xmlns:a16="http://schemas.microsoft.com/office/drawing/2014/main" id="{030CE74A-A6D8-0CD8-1787-A0C34407CFA3}"/>
               </a:ext>
             </a:extLst>
           </p:cNvPr>
@@ -5445,8 +5711,8 @@
         </p:nvSpPr>
         <p:spPr>
           <a:xfrm>
-            <a:off x="3927221" y="5364976"/>
-            <a:ext cx="3850734" cy="369332"/>
+            <a:off x="569597" y="0"/>
+            <a:ext cx="2297424" cy="369332"/>
           </a:xfrm>
           <a:prstGeom prst="rect">
             <a:avLst/>
@@ -5460,44 +5726,46 @@
           <a:lstStyle/>
           <a:p>
             <a:r>
-              <a:rPr lang="ko-KR" altLang="en-US"/>
-              <a:t>전기 속성 동물 </a:t>
-            </a:r>
-            <a:r>
               <a:rPr lang="en-US" altLang="ko-KR"/>
-              <a:t>1 , 2 , 3 , 4 , 5 </a:t>
-            </a:r>
-            <a:r>
-              <a:rPr lang="ko-KR" altLang="en-US"/>
-              <a:t>단계</a:t>
+              <a:t>Animal Dice </a:t>
+            </a:r>
+            <a:r>
+              <a:rPr lang="ko-KR" altLang="en-US"/>
+              <a:t>폴더 안</a:t>
             </a:r>
           </a:p>
         </p:txBody>
       </p:sp>
       <p:pic>
         <p:nvPicPr>
-          <p:cNvPr id="2" name="그림 1" descr="고양이, 클립아트, 만화 영화, 포유류이(가) 표시된 사진&#10;&#10;자동 생성된 설명">
-            <a:extLst>
-              <a:ext uri="{FF2B5EF4-FFF2-40B4-BE49-F238E27FC236}">
-                <a16:creationId xmlns:a16="http://schemas.microsoft.com/office/drawing/2014/main" id="{BA93AA60-408F-6C35-4070-E7D365BD1A32}"/>
+          <p:cNvPr id="4" name="그림 3" descr="클립아트, 만화 영화, 일러스트레이션, 예술이(가) 표시된 사진&#10;&#10;자동 생성된 설명">
+            <a:extLst>
+              <a:ext uri="{FF2B5EF4-FFF2-40B4-BE49-F238E27FC236}">
+                <a16:creationId xmlns:a16="http://schemas.microsoft.com/office/drawing/2014/main" id="{551CA84A-FDE9-9363-F9AD-3FC6435EEAB3}"/>
               </a:ext>
             </a:extLst>
           </p:cNvPr>
           <p:cNvPicPr>
-            <a:picLocks/>
+            <a:picLocks noChangeAspect="1"/>
           </p:cNvPicPr>
           <p:nvPr/>
         </p:nvPicPr>
         <p:blipFill>
-          <a:blip r:embed="rId2"/>
+          <a:blip r:embed="rId2">
+            <a:extLst>
+              <a:ext uri="{28A0092B-C50C-407E-A947-70E740481C1C}">
+                <a14:useLocalDpi xmlns:a14="http://schemas.microsoft.com/office/drawing/2010/main" val="0"/>
+              </a:ext>
+            </a:extLst>
+          </a:blip>
           <a:stretch>
             <a:fillRect/>
           </a:stretch>
         </p:blipFill>
         <p:spPr>
           <a:xfrm>
-            <a:off x="1522864" y="3792081"/>
-            <a:ext cx="1259840" cy="1259840"/>
+            <a:off x="3090670" y="2171188"/>
+            <a:ext cx="1560579" cy="1560579"/>
           </a:xfrm>
           <a:prstGeom prst="rect">
             <a:avLst/>
@@ -5506,98 +5774,152 @@
       </p:pic>
       <p:pic>
         <p:nvPicPr>
-          <p:cNvPr id="3" name="그림 2" descr="아동 미술, 클립아트, 만화 영화, 고양이이(가) 표시된 사진&#10;&#10;자동 생성된 설명">
-            <a:extLst>
-              <a:ext uri="{FF2B5EF4-FFF2-40B4-BE49-F238E27FC236}">
-                <a16:creationId xmlns:a16="http://schemas.microsoft.com/office/drawing/2014/main" id="{19CA36EC-A2E5-14D6-674F-93391A7776B9}"/>
+          <p:cNvPr id="7" name="그림 6" descr="클립아트, 만화 영화, 일러스트레이션, 예술이(가) 표시된 사진&#10;&#10;자동 생성된 설명">
+            <a:extLst>
+              <a:ext uri="{FF2B5EF4-FFF2-40B4-BE49-F238E27FC236}">
+                <a16:creationId xmlns:a16="http://schemas.microsoft.com/office/drawing/2014/main" id="{758C7B5C-078F-D755-8441-F8B99E4A7723}"/>
               </a:ext>
             </a:extLst>
           </p:cNvPr>
           <p:cNvPicPr>
-            <a:picLocks/>
+            <a:picLocks noChangeAspect="1"/>
           </p:cNvPicPr>
           <p:nvPr/>
         </p:nvPicPr>
         <p:blipFill>
-          <a:blip r:embed="rId3"/>
+          <a:blip r:embed="rId3">
+            <a:extLst>
+              <a:ext uri="{28A0092B-C50C-407E-A947-70E740481C1C}">
+                <a14:useLocalDpi xmlns:a14="http://schemas.microsoft.com/office/drawing/2010/main" val="0"/>
+              </a:ext>
+            </a:extLst>
+          </a:blip>
           <a:stretch>
             <a:fillRect/>
           </a:stretch>
         </p:blipFill>
         <p:spPr>
           <a:xfrm>
-            <a:off x="1522864" y="689708"/>
-            <a:ext cx="1259840" cy="1259840"/>
+            <a:off x="5369555" y="2171188"/>
+            <a:ext cx="1560579" cy="1560579"/>
           </a:xfrm>
           <a:prstGeom prst="rect">
             <a:avLst/>
           </a:prstGeom>
         </p:spPr>
       </p:pic>
-      <p:sp>
-        <p:nvSpPr>
-          <p:cNvPr id="4" name="TextBox 3">
-            <a:extLst>
-              <a:ext uri="{FF2B5EF4-FFF2-40B4-BE49-F238E27FC236}">
-                <a16:creationId xmlns:a16="http://schemas.microsoft.com/office/drawing/2014/main" id="{6988BE51-6085-BED6-C333-14686DEF21D9}"/>
-              </a:ext>
-            </a:extLst>
-          </p:cNvPr>
-          <p:cNvSpPr txBox="1"/>
-          <p:nvPr/>
-        </p:nvSpPr>
-        <p:spPr>
-          <a:xfrm>
-            <a:off x="3765802" y="811570"/>
-            <a:ext cx="8595623" cy="923330"/>
-          </a:xfrm>
-          <a:prstGeom prst="rect">
-            <a:avLst/>
-          </a:prstGeom>
-          <a:noFill/>
-        </p:spPr>
-        <p:txBody>
-          <a:bodyPr wrap="none" rtlCol="0">
-            <a:spAutoFit/>
-          </a:bodyPr>
-          <a:lstStyle/>
-          <a:p>
-            <a:r>
-              <a:rPr lang="en-US" altLang="ko-KR" sz="5400">
-                <a:solidFill>
-                  <a:srgbClr val="FF0000"/>
-                </a:solidFill>
-              </a:rPr>
-              <a:t>2,3,4,5 </a:t>
-            </a:r>
-            <a:r>
-              <a:rPr lang="ko-KR" altLang="en-US" sz="5400">
-                <a:solidFill>
-                  <a:srgbClr val="FF0000"/>
-                </a:solidFill>
-              </a:rPr>
-              <a:t>단계별로 수정예정</a:t>
-            </a:r>
-            <a:r>
-              <a:rPr lang="en-US" altLang="ko-KR" sz="5400">
-                <a:solidFill>
-                  <a:srgbClr val="FF0000"/>
-                </a:solidFill>
-              </a:rPr>
-              <a:t>!!</a:t>
-            </a:r>
-            <a:endParaRPr lang="ko-KR" altLang="en-US" sz="5400">
-              <a:solidFill>
-                <a:srgbClr val="FF0000"/>
-              </a:solidFill>
-            </a:endParaRPr>
-          </a:p>
-        </p:txBody>
-      </p:sp>
+      <p:pic>
+        <p:nvPicPr>
+          <p:cNvPr id="10" name="그림 9" descr="클립아트, 만화 영화, 일러스트레이션, 예술이(가) 표시된 사진&#10;&#10;자동 생성된 설명">
+            <a:extLst>
+              <a:ext uri="{FF2B5EF4-FFF2-40B4-BE49-F238E27FC236}">
+                <a16:creationId xmlns:a16="http://schemas.microsoft.com/office/drawing/2014/main" id="{98BB8413-48C2-7783-923D-5704F1EC8AA0}"/>
+              </a:ext>
+            </a:extLst>
+          </p:cNvPr>
+          <p:cNvPicPr>
+            <a:picLocks noChangeAspect="1"/>
+          </p:cNvPicPr>
+          <p:nvPr/>
+        </p:nvPicPr>
+        <p:blipFill>
+          <a:blip r:embed="rId4">
+            <a:extLst>
+              <a:ext uri="{28A0092B-C50C-407E-A947-70E740481C1C}">
+                <a14:useLocalDpi xmlns:a14="http://schemas.microsoft.com/office/drawing/2010/main" val="0"/>
+              </a:ext>
+            </a:extLst>
+          </a:blip>
+          <a:stretch>
+            <a:fillRect/>
+          </a:stretch>
+        </p:blipFill>
+        <p:spPr>
+          <a:xfrm>
+            <a:off x="7608820" y="2171188"/>
+            <a:ext cx="1560579" cy="1560579"/>
+          </a:xfrm>
+          <a:prstGeom prst="rect">
+            <a:avLst/>
+          </a:prstGeom>
+        </p:spPr>
+      </p:pic>
+      <p:pic>
+        <p:nvPicPr>
+          <p:cNvPr id="12" name="그림 11" descr="클립아트, 만화 영화, 스크린샷, 일러스트레이션이(가) 표시된 사진&#10;&#10;자동 생성된 설명">
+            <a:extLst>
+              <a:ext uri="{FF2B5EF4-FFF2-40B4-BE49-F238E27FC236}">
+                <a16:creationId xmlns:a16="http://schemas.microsoft.com/office/drawing/2014/main" id="{FDD4419B-F765-5F08-B4CA-48B7C806E1E1}"/>
+              </a:ext>
+            </a:extLst>
+          </p:cNvPr>
+          <p:cNvPicPr>
+            <a:picLocks noChangeAspect="1"/>
+          </p:cNvPicPr>
+          <p:nvPr/>
+        </p:nvPicPr>
+        <p:blipFill>
+          <a:blip r:embed="rId5">
+            <a:extLst>
+              <a:ext uri="{28A0092B-C50C-407E-A947-70E740481C1C}">
+                <a14:useLocalDpi xmlns:a14="http://schemas.microsoft.com/office/drawing/2010/main" val="0"/>
+              </a:ext>
+            </a:extLst>
+          </a:blip>
+          <a:stretch>
+            <a:fillRect/>
+          </a:stretch>
+        </p:blipFill>
+        <p:spPr>
+          <a:xfrm>
+            <a:off x="9654030" y="2171189"/>
+            <a:ext cx="1560579" cy="1560579"/>
+          </a:xfrm>
+          <a:prstGeom prst="rect">
+            <a:avLst/>
+          </a:prstGeom>
+        </p:spPr>
+      </p:pic>
+      <p:pic>
+        <p:nvPicPr>
+          <p:cNvPr id="15" name="그림 14" descr="클립아트, 만화 영화, 일러스트레이션, 예술이(가) 표시된 사진&#10;&#10;자동 생성된 설명">
+            <a:extLst>
+              <a:ext uri="{FF2B5EF4-FFF2-40B4-BE49-F238E27FC236}">
+                <a16:creationId xmlns:a16="http://schemas.microsoft.com/office/drawing/2014/main" id="{4EE22B16-6690-A62E-8C31-F4B9CCEEA372}"/>
+              </a:ext>
+            </a:extLst>
+          </p:cNvPr>
+          <p:cNvPicPr>
+            <a:picLocks noChangeAspect="1"/>
+          </p:cNvPicPr>
+          <p:nvPr/>
+        </p:nvPicPr>
+        <p:blipFill>
+          <a:blip r:embed="rId6">
+            <a:extLst>
+              <a:ext uri="{28A0092B-C50C-407E-A947-70E740481C1C}">
+                <a14:useLocalDpi xmlns:a14="http://schemas.microsoft.com/office/drawing/2010/main" val="0"/>
+              </a:ext>
+            </a:extLst>
+          </a:blip>
+          <a:stretch>
+            <a:fillRect/>
+          </a:stretch>
+        </p:blipFill>
+        <p:spPr>
+          <a:xfrm>
+            <a:off x="1068830" y="2171190"/>
+            <a:ext cx="1560579" cy="1560579"/>
+          </a:xfrm>
+          <a:prstGeom prst="rect">
+            <a:avLst/>
+          </a:prstGeom>
+        </p:spPr>
+      </p:pic>
     </p:spTree>
     <p:extLst>
       <p:ext uri="{BB962C8B-B14F-4D97-AF65-F5344CB8AC3E}">
-        <p14:creationId xmlns:p14="http://schemas.microsoft.com/office/powerpoint/2010/main" val="2638585595"/>
+        <p14:creationId xmlns:p14="http://schemas.microsoft.com/office/powerpoint/2010/main" val="3569739369"/>
       </p:ext>
     </p:extLst>
   </p:cSld>
@@ -5626,10 +5948,10 @@
       </p:grpSpPr>
       <p:sp>
         <p:nvSpPr>
-          <p:cNvPr id="52" name="TextBox 51">
-            <a:extLst>
-              <a:ext uri="{FF2B5EF4-FFF2-40B4-BE49-F238E27FC236}">
-                <a16:creationId xmlns:a16="http://schemas.microsoft.com/office/drawing/2014/main" id="{22758B58-7762-C990-399D-5543F3A50AD6}"/>
+          <p:cNvPr id="14" name="TextBox 13">
+            <a:extLst>
+              <a:ext uri="{FF2B5EF4-FFF2-40B4-BE49-F238E27FC236}">
+                <a16:creationId xmlns:a16="http://schemas.microsoft.com/office/drawing/2014/main" id="{855B894A-1ECE-2A5A-E386-E6F02CC52546}"/>
               </a:ext>
             </a:extLst>
           </p:cNvPr>
@@ -5638,8 +5960,8 @@
         </p:nvSpPr>
         <p:spPr>
           <a:xfrm>
-            <a:off x="3849655" y="3908450"/>
-            <a:ext cx="3850734" cy="369332"/>
+            <a:off x="1889760" y="3881120"/>
+            <a:ext cx="877163" cy="369332"/>
           </a:xfrm>
           <a:prstGeom prst="rect">
             <a:avLst/>
@@ -5654,113 +5976,193 @@
           <a:p>
             <a:r>
               <a:rPr lang="ko-KR" altLang="en-US"/>
-              <a:t>보스 속성 동물 </a:t>
-            </a:r>
-            <a:r>
-              <a:rPr lang="en-US" altLang="ko-KR"/>
-              <a:t>1 , 2 , 3 , 4 , 5 </a:t>
-            </a:r>
-            <a:r>
-              <a:rPr lang="ko-KR" altLang="en-US"/>
-              <a:t>단계</a:t>
+              <a:t>일반쥐</a:t>
+            </a:r>
+          </a:p>
+        </p:txBody>
+      </p:sp>
+      <p:sp>
+        <p:nvSpPr>
+          <p:cNvPr id="15" name="TextBox 14">
+            <a:extLst>
+              <a:ext uri="{FF2B5EF4-FFF2-40B4-BE49-F238E27FC236}">
+                <a16:creationId xmlns:a16="http://schemas.microsoft.com/office/drawing/2014/main" id="{141ED87A-CE05-9F65-D73D-41BB8F686986}"/>
+              </a:ext>
+            </a:extLst>
+          </p:cNvPr>
+          <p:cNvSpPr txBox="1"/>
+          <p:nvPr/>
+        </p:nvSpPr>
+        <p:spPr>
+          <a:xfrm>
+            <a:off x="5811520" y="3881120"/>
+            <a:ext cx="877163" cy="369332"/>
+          </a:xfrm>
+          <a:prstGeom prst="rect">
+            <a:avLst/>
+          </a:prstGeom>
+          <a:noFill/>
+        </p:spPr>
+        <p:txBody>
+          <a:bodyPr wrap="none" rtlCol="0">
+            <a:spAutoFit/>
+          </a:bodyPr>
+          <a:lstStyle/>
+          <a:p>
+            <a:r>
+              <a:rPr lang="ko-KR" altLang="en-US"/>
+              <a:t>빠른쥐</a:t>
+            </a:r>
+          </a:p>
+        </p:txBody>
+      </p:sp>
+      <p:sp>
+        <p:nvSpPr>
+          <p:cNvPr id="16" name="TextBox 15">
+            <a:extLst>
+              <a:ext uri="{FF2B5EF4-FFF2-40B4-BE49-F238E27FC236}">
+                <a16:creationId xmlns:a16="http://schemas.microsoft.com/office/drawing/2014/main" id="{E4C5C69C-AFE6-7EC6-777A-BA8C885E4DFB}"/>
+              </a:ext>
+            </a:extLst>
+          </p:cNvPr>
+          <p:cNvSpPr txBox="1"/>
+          <p:nvPr/>
+        </p:nvSpPr>
+        <p:spPr>
+          <a:xfrm>
+            <a:off x="9425077" y="3882906"/>
+            <a:ext cx="877163" cy="369332"/>
+          </a:xfrm>
+          <a:prstGeom prst="rect">
+            <a:avLst/>
+          </a:prstGeom>
+          <a:noFill/>
+        </p:spPr>
+        <p:txBody>
+          <a:bodyPr wrap="none" rtlCol="0">
+            <a:spAutoFit/>
+          </a:bodyPr>
+          <a:lstStyle/>
+          <a:p>
+            <a:r>
+              <a:rPr lang="ko-KR" altLang="en-US"/>
+              <a:t>대왕쥐</a:t>
             </a:r>
           </a:p>
         </p:txBody>
       </p:sp>
       <p:pic>
         <p:nvPicPr>
-          <p:cNvPr id="2" name="그림 1" descr="클립아트, 아동 미술, 만화 영화, 일러스트레이션이(가) 표시된 사진&#10;&#10;자동 생성된 설명">
-            <a:extLst>
-              <a:ext uri="{FF2B5EF4-FFF2-40B4-BE49-F238E27FC236}">
-                <a16:creationId xmlns:a16="http://schemas.microsoft.com/office/drawing/2014/main" id="{09C3B54A-D57C-6BEC-23A0-183E7AA47780}"/>
+          <p:cNvPr id="18" name="그림 17" descr="그래픽, 클립아트, 디자인, 만화 영화이(가) 표시된 사진&#10;&#10;자동 생성된 설명">
+            <a:extLst>
+              <a:ext uri="{FF2B5EF4-FFF2-40B4-BE49-F238E27FC236}">
+                <a16:creationId xmlns:a16="http://schemas.microsoft.com/office/drawing/2014/main" id="{21FAE627-762E-45DC-7891-D930F12C475B}"/>
               </a:ext>
             </a:extLst>
           </p:cNvPr>
           <p:cNvPicPr>
-            <a:picLocks/>
+            <a:picLocks noChangeAspect="1"/>
           </p:cNvPicPr>
           <p:nvPr/>
         </p:nvPicPr>
         <p:blipFill>
-          <a:blip r:embed="rId2"/>
+          <a:blip r:embed="rId2">
+            <a:extLst>
+              <a:ext uri="{28A0092B-C50C-407E-A947-70E740481C1C}">
+                <a14:useLocalDpi xmlns:a14="http://schemas.microsoft.com/office/drawing/2010/main" val="0"/>
+              </a:ext>
+            </a:extLst>
+          </a:blip>
           <a:stretch>
             <a:fillRect/>
           </a:stretch>
         </p:blipFill>
         <p:spPr>
           <a:xfrm>
-            <a:off x="2083382" y="2030755"/>
-            <a:ext cx="1259840" cy="1259840"/>
+            <a:off x="4673088" y="1306569"/>
+            <a:ext cx="2365623" cy="2122429"/>
           </a:xfrm>
           <a:prstGeom prst="rect">
             <a:avLst/>
           </a:prstGeom>
         </p:spPr>
       </p:pic>
-      <p:sp>
-        <p:nvSpPr>
-          <p:cNvPr id="3" name="TextBox 2">
-            <a:extLst>
-              <a:ext uri="{FF2B5EF4-FFF2-40B4-BE49-F238E27FC236}">
-                <a16:creationId xmlns:a16="http://schemas.microsoft.com/office/drawing/2014/main" id="{F0542883-E8BD-53FB-6230-DF446DE28631}"/>
-              </a:ext>
-            </a:extLst>
-          </p:cNvPr>
-          <p:cNvSpPr txBox="1"/>
-          <p:nvPr/>
-        </p:nvSpPr>
-        <p:spPr>
-          <a:xfrm>
-            <a:off x="3765802" y="811570"/>
-            <a:ext cx="8595623" cy="923330"/>
-          </a:xfrm>
-          <a:prstGeom prst="rect">
-            <a:avLst/>
-          </a:prstGeom>
-          <a:noFill/>
-        </p:spPr>
-        <p:txBody>
-          <a:bodyPr wrap="none" rtlCol="0">
-            <a:spAutoFit/>
-          </a:bodyPr>
-          <a:lstStyle/>
-          <a:p>
-            <a:r>
-              <a:rPr lang="en-US" altLang="ko-KR" sz="5400">
-                <a:solidFill>
-                  <a:srgbClr val="FF0000"/>
-                </a:solidFill>
-              </a:rPr>
-              <a:t>2,3,4,5 </a:t>
-            </a:r>
-            <a:r>
-              <a:rPr lang="ko-KR" altLang="en-US" sz="5400">
-                <a:solidFill>
-                  <a:srgbClr val="FF0000"/>
-                </a:solidFill>
-              </a:rPr>
-              <a:t>단계별로 수정예정</a:t>
-            </a:r>
-            <a:r>
-              <a:rPr lang="en-US" altLang="ko-KR" sz="5400">
-                <a:solidFill>
-                  <a:srgbClr val="FF0000"/>
-                </a:solidFill>
-              </a:rPr>
-              <a:t>!!</a:t>
-            </a:r>
-            <a:endParaRPr lang="ko-KR" altLang="en-US" sz="5400">
-              <a:solidFill>
-                <a:srgbClr val="FF0000"/>
-              </a:solidFill>
-            </a:endParaRPr>
-          </a:p>
-        </p:txBody>
-      </p:sp>
+      <p:pic>
+        <p:nvPicPr>
+          <p:cNvPr id="20" name="그림 19" descr="클립아트, 그림, 만화 영화, 일러스트레이션이(가) 표시된 사진&#10;&#10;자동 생성된 설명">
+            <a:extLst>
+              <a:ext uri="{FF2B5EF4-FFF2-40B4-BE49-F238E27FC236}">
+                <a16:creationId xmlns:a16="http://schemas.microsoft.com/office/drawing/2014/main" id="{B29724B1-299C-7653-EC2C-C6161301A9BE}"/>
+              </a:ext>
+            </a:extLst>
+          </p:cNvPr>
+          <p:cNvPicPr>
+            <a:picLocks noChangeAspect="1"/>
+          </p:cNvPicPr>
+          <p:nvPr/>
+        </p:nvPicPr>
+        <p:blipFill>
+          <a:blip r:embed="rId3">
+            <a:extLst>
+              <a:ext uri="{28A0092B-C50C-407E-A947-70E740481C1C}">
+                <a14:useLocalDpi xmlns:a14="http://schemas.microsoft.com/office/drawing/2010/main" val="0"/>
+              </a:ext>
+            </a:extLst>
+          </a:blip>
+          <a:stretch>
+            <a:fillRect/>
+          </a:stretch>
+        </p:blipFill>
+        <p:spPr>
+          <a:xfrm>
+            <a:off x="8356088" y="1306570"/>
+            <a:ext cx="2365623" cy="2122429"/>
+          </a:xfrm>
+          <a:prstGeom prst="rect">
+            <a:avLst/>
+          </a:prstGeom>
+        </p:spPr>
+      </p:pic>
+      <p:pic>
+        <p:nvPicPr>
+          <p:cNvPr id="22" name="그림 21" descr="스케치, 클립아트, 그림, 일러스트레이션이(가) 표시된 사진&#10;&#10;자동 생성된 설명">
+            <a:extLst>
+              <a:ext uri="{FF2B5EF4-FFF2-40B4-BE49-F238E27FC236}">
+                <a16:creationId xmlns:a16="http://schemas.microsoft.com/office/drawing/2014/main" id="{DEA9F751-5683-3F7F-EDBF-8BC38F9510BD}"/>
+              </a:ext>
+            </a:extLst>
+          </p:cNvPr>
+          <p:cNvPicPr>
+            <a:picLocks noChangeAspect="1"/>
+          </p:cNvPicPr>
+          <p:nvPr/>
+        </p:nvPicPr>
+        <p:blipFill>
+          <a:blip r:embed="rId4">
+            <a:extLst>
+              <a:ext uri="{28A0092B-C50C-407E-A947-70E740481C1C}">
+                <a14:useLocalDpi xmlns:a14="http://schemas.microsoft.com/office/drawing/2010/main" val="0"/>
+              </a:ext>
+            </a:extLst>
+          </a:blip>
+          <a:stretch>
+            <a:fillRect/>
+          </a:stretch>
+        </p:blipFill>
+        <p:spPr>
+          <a:xfrm>
+            <a:off x="990088" y="1306571"/>
+            <a:ext cx="2365623" cy="2122429"/>
+          </a:xfrm>
+          <a:prstGeom prst="rect">
+            <a:avLst/>
+          </a:prstGeom>
+        </p:spPr>
+      </p:pic>
     </p:spTree>
     <p:extLst>
       <p:ext uri="{BB962C8B-B14F-4D97-AF65-F5344CB8AC3E}">
-        <p14:creationId xmlns:p14="http://schemas.microsoft.com/office/powerpoint/2010/main" val="3759658725"/>
+        <p14:creationId xmlns:p14="http://schemas.microsoft.com/office/powerpoint/2010/main" val="2022617411"/>
       </p:ext>
     </p:extLst>
   </p:cSld>
@@ -6766,6 +7168,89 @@
           </a:p>
         </p:txBody>
       </p:sp>
+      <p:sp>
+        <p:nvSpPr>
+          <p:cNvPr id="3" name="TextBox 2">
+            <a:extLst>
+              <a:ext uri="{FF2B5EF4-FFF2-40B4-BE49-F238E27FC236}">
+                <a16:creationId xmlns:a16="http://schemas.microsoft.com/office/drawing/2014/main" id="{831A35BD-6A61-25D0-65BE-2E7BDC071E57}"/>
+              </a:ext>
+            </a:extLst>
+          </p:cNvPr>
+          <p:cNvSpPr txBox="1"/>
+          <p:nvPr/>
+        </p:nvSpPr>
+        <p:spPr>
+          <a:xfrm>
+            <a:off x="2648580" y="4468056"/>
+            <a:ext cx="7196755" cy="646331"/>
+          </a:xfrm>
+          <a:prstGeom prst="rect">
+            <a:avLst/>
+          </a:prstGeom>
+          <a:noFill/>
+        </p:spPr>
+        <p:txBody>
+          <a:bodyPr wrap="square" rtlCol="0">
+            <a:spAutoFit/>
+          </a:bodyPr>
+          <a:lstStyle/>
+          <a:p>
+            <a:r>
+              <a:rPr lang="ko-KR" altLang="en-US">
+                <a:solidFill>
+                  <a:srgbClr val="00B050"/>
+                </a:solidFill>
+              </a:rPr>
+              <a:t>사용폰트들 </a:t>
+            </a:r>
+            <a:r>
+              <a:rPr lang="en-US" altLang="ko-KR">
+                <a:solidFill>
+                  <a:srgbClr val="00B050"/>
+                </a:solidFill>
+              </a:rPr>
+              <a:t>: Super Mario 256, Cafe24</a:t>
+            </a:r>
+            <a:r>
+              <a:rPr lang="ko-KR" altLang="en-US">
+                <a:solidFill>
+                  <a:srgbClr val="00B050"/>
+                </a:solidFill>
+              </a:rPr>
+              <a:t> </a:t>
+            </a:r>
+            <a:r>
+              <a:rPr lang="en-US" altLang="ko-KR">
+                <a:solidFill>
+                  <a:srgbClr val="00B050"/>
+                </a:solidFill>
+              </a:rPr>
+              <a:t>ssurround, </a:t>
+            </a:r>
+            <a:r>
+              <a:rPr lang="ko-KR" altLang="en-US">
+                <a:solidFill>
+                  <a:srgbClr val="00B050"/>
+                </a:solidFill>
+              </a:rPr>
+              <a:t>메이플스토리</a:t>
+            </a:r>
+            <a:endParaRPr lang="en-US" altLang="ko-KR">
+              <a:solidFill>
+                <a:srgbClr val="00B050"/>
+              </a:solidFill>
+            </a:endParaRPr>
+          </a:p>
+          <a:p>
+            <a:endParaRPr lang="en-US" altLang="ko-KR">
+              <a:solidFill>
+                <a:srgbClr val="00B050"/>
+              </a:solidFill>
+            </a:endParaRPr>
+          </a:p>
+        </p:txBody>
+      </p:sp>
     </p:spTree>
     <p:extLst>
       <p:ext uri="{BB962C8B-B14F-4D97-AF65-F5344CB8AC3E}">
@@ -6810,8 +7295,8 @@
         </p:nvSpPr>
         <p:spPr>
           <a:xfrm>
-            <a:off x="4432531" y="1577922"/>
-            <a:ext cx="6005880" cy="646331"/>
+            <a:off x="4494675" y="2927328"/>
+            <a:ext cx="6005880" cy="369332"/>
           </a:xfrm>
           <a:prstGeom prst="rect">
             <a:avLst/>
@@ -6825,12 +7310,8 @@
           <a:lstStyle/>
           <a:p>
             <a:r>
-              <a:rPr lang="en-US" altLang="ko-KR"/>
-              <a:t>- </a:t>
-            </a:r>
-            <a:r>
-              <a:rPr lang="ko-KR" altLang="en-US"/>
-              <a:t>인게임 내 변동하는 숫자들 폰트 </a:t>
+              <a:rPr lang="ko-KR" altLang="en-US"/>
+              <a:t>스코어 폰트 </a:t>
             </a:r>
             <a:r>
               <a:rPr lang="en-US" altLang="ko-KR"/>
@@ -6842,44 +7323,131 @@
             </a:r>
             <a:endParaRPr lang="en-US" altLang="ko-KR"/>
           </a:p>
-          <a:p>
-            <a:pPr marL="285750" indent="-285750">
-              <a:buFontTx/>
-              <a:buChar char="-"/>
-            </a:pPr>
-            <a:r>
-              <a:rPr lang="ko-KR" altLang="en-US"/>
-              <a:t>소환되는 애니멀 다이스 사이즈 </a:t>
+        </p:txBody>
+      </p:sp>
+      <p:sp>
+        <p:nvSpPr>
+          <p:cNvPr id="9" name="TextBox 8">
+            <a:extLst>
+              <a:ext uri="{FF2B5EF4-FFF2-40B4-BE49-F238E27FC236}">
+                <a16:creationId xmlns:a16="http://schemas.microsoft.com/office/drawing/2014/main" id="{03AC14E8-F1C3-5CCC-D708-F1F8D1CFD3DF}"/>
+              </a:ext>
+            </a:extLst>
+          </p:cNvPr>
+          <p:cNvSpPr txBox="1"/>
+          <p:nvPr/>
+        </p:nvSpPr>
+        <p:spPr>
+          <a:xfrm>
+            <a:off x="4637178" y="4112965"/>
+            <a:ext cx="6005880" cy="369332"/>
+          </a:xfrm>
+          <a:prstGeom prst="rect">
+            <a:avLst/>
+          </a:prstGeom>
+          <a:noFill/>
+        </p:spPr>
+        <p:txBody>
+          <a:bodyPr wrap="square" rtlCol="0">
+            <a:spAutoFit/>
+          </a:bodyPr>
+          <a:lstStyle/>
+          <a:p>
+            <a:r>
+              <a:rPr lang="ko-KR" altLang="en-US"/>
+              <a:t>스코어 폰트 색상 </a:t>
             </a:r>
             <a:r>
               <a:rPr lang="en-US" altLang="ko-KR"/>
-              <a:t>: 84px</a:t>
-            </a:r>
-            <a:r>
-              <a:rPr lang="ko-KR" altLang="en-US"/>
-              <a:t> </a:t>
+              <a:t>(255,108,108)</a:t>
+            </a:r>
+          </a:p>
+        </p:txBody>
+      </p:sp>
+      <p:sp>
+        <p:nvSpPr>
+          <p:cNvPr id="11" name="TextBox 10">
+            <a:extLst>
+              <a:ext uri="{FF2B5EF4-FFF2-40B4-BE49-F238E27FC236}">
+                <a16:creationId xmlns:a16="http://schemas.microsoft.com/office/drawing/2014/main" id="{4F407626-AAB2-2763-4EFD-5EE1BB30037C}"/>
+              </a:ext>
+            </a:extLst>
+          </p:cNvPr>
+          <p:cNvSpPr txBox="1"/>
+          <p:nvPr/>
+        </p:nvSpPr>
+        <p:spPr>
+          <a:xfrm>
+            <a:off x="8719831" y="6419850"/>
+            <a:ext cx="2878288" cy="369332"/>
+          </a:xfrm>
+          <a:prstGeom prst="rect">
+            <a:avLst/>
+          </a:prstGeom>
+          <a:noFill/>
+        </p:spPr>
+        <p:txBody>
+          <a:bodyPr wrap="none" rtlCol="0">
+            <a:spAutoFit/>
+          </a:bodyPr>
+          <a:lstStyle/>
+          <a:p>
+            <a:r>
+              <a:rPr lang="ko-KR" altLang="en-US"/>
+              <a:t>기타 정보는</a:t>
             </a:r>
             <a:r>
               <a:rPr lang="en-US" altLang="ko-KR"/>
-              <a:t>X</a:t>
-            </a:r>
-            <a:r>
-              <a:rPr lang="ko-KR" altLang="en-US"/>
-              <a:t> </a:t>
-            </a:r>
-            <a:r>
-              <a:rPr lang="en-US" altLang="ko-KR"/>
-              <a:t>84px</a:t>
+              <a:t>lobby.psd</a:t>
+            </a:r>
+            <a:r>
+              <a:rPr lang="ko-KR" altLang="en-US"/>
+              <a:t>참고</a:t>
+            </a:r>
+          </a:p>
+        </p:txBody>
+      </p:sp>
+      <p:sp>
+        <p:nvSpPr>
+          <p:cNvPr id="5" name="제목 1">
+            <a:extLst>
+              <a:ext uri="{FF2B5EF4-FFF2-40B4-BE49-F238E27FC236}">
+                <a16:creationId xmlns:a16="http://schemas.microsoft.com/office/drawing/2014/main" id="{FC352BAB-B216-3E06-9BDF-DE0041DBB29A}"/>
+              </a:ext>
+            </a:extLst>
+          </p:cNvPr>
+          <p:cNvSpPr>
+            <a:spLocks noGrp="1"/>
+          </p:cNvSpPr>
+          <p:nvPr>
+            <p:ph type="title"/>
+          </p:nvPr>
+        </p:nvSpPr>
+        <p:spPr>
+          <a:xfrm>
+            <a:off x="3963509" y="-151122"/>
+            <a:ext cx="5917338" cy="1325563"/>
+          </a:xfrm>
+        </p:spPr>
+        <p:txBody>
+          <a:bodyPr>
+            <a:normAutofit/>
+          </a:bodyPr>
+          <a:lstStyle/>
+          <a:p>
+            <a:r>
+              <a:rPr lang="ko-KR" altLang="en-US"/>
+              <a:t>대기 로비씬</a:t>
             </a:r>
           </a:p>
         </p:txBody>
       </p:sp>
       <p:pic>
         <p:nvPicPr>
-          <p:cNvPr id="8" name="그림 7" descr="텍스트, 스크린샷, 그래픽 디자인, 만화 영화이(가) 표시된 사진&#10;&#10;자동 생성된 설명">
-            <a:extLst>
-              <a:ext uri="{FF2B5EF4-FFF2-40B4-BE49-F238E27FC236}">
-                <a16:creationId xmlns:a16="http://schemas.microsoft.com/office/drawing/2014/main" id="{275AC4E9-2970-7E0B-CAC7-B18FBAA4F676}"/>
+          <p:cNvPr id="3" name="그림 2" descr="텍스트, 스크린샷, 그래픽 디자인, 그래픽이(가) 표시된 사진&#10;&#10;자동 생성된 설명">
+            <a:extLst>
+              <a:ext uri="{FF2B5EF4-FFF2-40B4-BE49-F238E27FC236}">
+                <a16:creationId xmlns:a16="http://schemas.microsoft.com/office/drawing/2014/main" id="{BE4BE60F-8F16-7AFA-6F7F-3A1B27DB4A24}"/>
               </a:ext>
             </a:extLst>
           </p:cNvPr>
@@ -6902,248 +7470,18 @@
         </p:blipFill>
         <p:spPr>
           <a:xfrm>
-            <a:off x="556482" y="176795"/>
-            <a:ext cx="3164307" cy="6504410"/>
+            <a:off x="264211" y="0"/>
+            <a:ext cx="3336324" cy="6858000"/>
           </a:xfrm>
           <a:prstGeom prst="rect">
             <a:avLst/>
           </a:prstGeom>
         </p:spPr>
       </p:pic>
-      <p:sp>
-        <p:nvSpPr>
-          <p:cNvPr id="9" name="TextBox 8">
-            <a:extLst>
-              <a:ext uri="{FF2B5EF4-FFF2-40B4-BE49-F238E27FC236}">
-                <a16:creationId xmlns:a16="http://schemas.microsoft.com/office/drawing/2014/main" id="{03AC14E8-F1C3-5CCC-D708-F1F8D1CFD3DF}"/>
-              </a:ext>
-            </a:extLst>
-          </p:cNvPr>
-          <p:cNvSpPr txBox="1"/>
-          <p:nvPr/>
-        </p:nvSpPr>
-        <p:spPr>
-          <a:xfrm>
-            <a:off x="4575035" y="2905980"/>
-            <a:ext cx="6005880" cy="3416320"/>
-          </a:xfrm>
-          <a:prstGeom prst="rect">
-            <a:avLst/>
-          </a:prstGeom>
-          <a:noFill/>
-        </p:spPr>
-        <p:txBody>
-          <a:bodyPr wrap="square" rtlCol="0">
-            <a:spAutoFit/>
-          </a:bodyPr>
-          <a:lstStyle/>
-          <a:p>
-            <a:r>
-              <a:rPr lang="ko-KR" altLang="en-US"/>
-              <a:t>폰트 색상 </a:t>
-            </a:r>
-            <a:r>
-              <a:rPr lang="en-US" altLang="ko-KR"/>
-              <a:t>(r,g,b)</a:t>
-            </a:r>
-          </a:p>
-          <a:p>
-            <a:endParaRPr lang="en-US" altLang="ko-KR"/>
-          </a:p>
-          <a:p>
-            <a:r>
-              <a:rPr lang="ko-KR" altLang="en-US"/>
-              <a:t>다이스뽑기위 재화</a:t>
-            </a:r>
-            <a:endParaRPr lang="en-US" altLang="ko-KR"/>
-          </a:p>
-          <a:p>
-            <a:r>
-              <a:rPr lang="ko-KR" altLang="en-US"/>
-              <a:t>색 </a:t>
-            </a:r>
-            <a:r>
-              <a:rPr lang="en-US" altLang="ko-KR"/>
-              <a:t>: (255,235,140)   </a:t>
-            </a:r>
-            <a:r>
-              <a:rPr lang="ko-KR" altLang="en-US"/>
-              <a:t>테두리</a:t>
-            </a:r>
-            <a:r>
-              <a:rPr lang="en-US" altLang="ko-KR"/>
-              <a:t>: (68,181,255)</a:t>
-            </a:r>
-          </a:p>
-          <a:p>
-            <a:endParaRPr lang="en-US" altLang="ko-KR"/>
-          </a:p>
-          <a:p>
-            <a:r>
-              <a:rPr lang="ko-KR" altLang="en-US"/>
-              <a:t>재화 및 목숨 수</a:t>
-            </a:r>
-            <a:endParaRPr lang="en-US" altLang="ko-KR"/>
-          </a:p>
-          <a:p>
-            <a:r>
-              <a:rPr lang="ko-KR" altLang="en-US"/>
-              <a:t>색 </a:t>
-            </a:r>
-            <a:r>
-              <a:rPr lang="en-US" altLang="ko-KR"/>
-              <a:t>: (0,0,0)       </a:t>
-            </a:r>
-            <a:r>
-              <a:rPr lang="ko-KR" altLang="en-US"/>
-              <a:t>테두리 </a:t>
-            </a:r>
-            <a:r>
-              <a:rPr lang="en-US" altLang="ko-KR"/>
-              <a:t>: (91,144,19)</a:t>
-            </a:r>
-          </a:p>
-          <a:p>
-            <a:endParaRPr lang="en-US" altLang="ko-KR"/>
-          </a:p>
-          <a:p>
-            <a:r>
-              <a:rPr lang="ko-KR" altLang="en-US"/>
-              <a:t>속성아이콘위에있는숫자</a:t>
-            </a:r>
-            <a:endParaRPr lang="en-US" altLang="ko-KR"/>
-          </a:p>
-          <a:p>
-            <a:r>
-              <a:rPr lang="ko-KR" altLang="en-US"/>
-              <a:t>색 </a:t>
-            </a:r>
-            <a:r>
-              <a:rPr lang="en-US" altLang="ko-KR"/>
-              <a:t>: (255,230,112)   </a:t>
-            </a:r>
-            <a:r>
-              <a:rPr lang="ko-KR" altLang="en-US"/>
-              <a:t>테두리 </a:t>
-            </a:r>
-            <a:r>
-              <a:rPr lang="en-US" altLang="ko-KR"/>
-              <a:t>: (86,126,31)</a:t>
-            </a:r>
-          </a:p>
-          <a:p>
-            <a:endParaRPr lang="en-US" altLang="ko-KR"/>
-          </a:p>
-          <a:p>
-            <a:endParaRPr lang="en-US" altLang="ko-KR"/>
-          </a:p>
-        </p:txBody>
-      </p:sp>
-      <p:sp>
-        <p:nvSpPr>
-          <p:cNvPr id="10" name="TextBox 9">
-            <a:extLst>
-              <a:ext uri="{FF2B5EF4-FFF2-40B4-BE49-F238E27FC236}">
-                <a16:creationId xmlns:a16="http://schemas.microsoft.com/office/drawing/2014/main" id="{E7CC6ADA-A891-D009-1661-E65C0F6B410B}"/>
-              </a:ext>
-            </a:extLst>
-          </p:cNvPr>
-          <p:cNvSpPr txBox="1"/>
-          <p:nvPr/>
-        </p:nvSpPr>
-        <p:spPr>
-          <a:xfrm>
-            <a:off x="4432531" y="573029"/>
-            <a:ext cx="6005880" cy="923330"/>
-          </a:xfrm>
-          <a:prstGeom prst="rect">
-            <a:avLst/>
-          </a:prstGeom>
-          <a:noFill/>
-        </p:spPr>
-        <p:txBody>
-          <a:bodyPr wrap="square" rtlCol="0">
-            <a:spAutoFit/>
-          </a:bodyPr>
-          <a:lstStyle/>
-          <a:p>
-            <a:r>
-              <a:rPr lang="ko-KR" altLang="en-US"/>
-              <a:t>변동없는</a:t>
-            </a:r>
-            <a:r>
-              <a:rPr lang="en-US" altLang="ko-KR"/>
-              <a:t> UI</a:t>
-            </a:r>
-            <a:r>
-              <a:rPr lang="ko-KR" altLang="en-US"/>
-              <a:t>용 폰트 </a:t>
-            </a:r>
-            <a:r>
-              <a:rPr lang="en-US" altLang="ko-KR"/>
-              <a:t>: Super Mario 256, Cafe24</a:t>
-            </a:r>
-            <a:r>
-              <a:rPr lang="ko-KR" altLang="en-US"/>
-              <a:t> </a:t>
-            </a:r>
-            <a:r>
-              <a:rPr lang="en-US" altLang="ko-KR"/>
-              <a:t>ssurround</a:t>
-            </a:r>
-          </a:p>
-          <a:p>
-            <a:endParaRPr lang="en-US" altLang="ko-KR"/>
-          </a:p>
-        </p:txBody>
-      </p:sp>
-      <p:sp>
-        <p:nvSpPr>
-          <p:cNvPr id="11" name="TextBox 10">
-            <a:extLst>
-              <a:ext uri="{FF2B5EF4-FFF2-40B4-BE49-F238E27FC236}">
-                <a16:creationId xmlns:a16="http://schemas.microsoft.com/office/drawing/2014/main" id="{4F407626-AAB2-2763-4EFD-5EE1BB30037C}"/>
-              </a:ext>
-            </a:extLst>
-          </p:cNvPr>
-          <p:cNvSpPr txBox="1"/>
-          <p:nvPr/>
-        </p:nvSpPr>
-        <p:spPr>
-          <a:xfrm>
-            <a:off x="8719831" y="6419850"/>
-            <a:ext cx="3174267" cy="369332"/>
-          </a:xfrm>
-          <a:prstGeom prst="rect">
-            <a:avLst/>
-          </a:prstGeom>
-          <a:noFill/>
-        </p:spPr>
-        <p:txBody>
-          <a:bodyPr wrap="none" rtlCol="0">
-            <a:spAutoFit/>
-          </a:bodyPr>
-          <a:lstStyle/>
-          <a:p>
-            <a:r>
-              <a:rPr lang="ko-KR" altLang="en-US"/>
-              <a:t>기타 정보는 </a:t>
-            </a:r>
-            <a:r>
-              <a:rPr lang="en-US" altLang="ko-KR"/>
-              <a:t>Ingame.psd</a:t>
-            </a:r>
-            <a:r>
-              <a:rPr lang="ko-KR" altLang="en-US"/>
-              <a:t>참고</a:t>
-            </a:r>
-          </a:p>
-        </p:txBody>
-      </p:sp>
     </p:spTree>
     <p:extLst>
       <p:ext uri="{BB962C8B-B14F-4D97-AF65-F5344CB8AC3E}">
-        <p14:creationId xmlns:p14="http://schemas.microsoft.com/office/powerpoint/2010/main" val="200011221"/>
+        <p14:creationId xmlns:p14="http://schemas.microsoft.com/office/powerpoint/2010/main" val="3179885223"/>
       </p:ext>
     </p:extLst>
   </p:cSld>
